--- a/lectures/Chapter3/MachineLearningOverview.pptx
+++ b/lectures/Chapter3/MachineLearningOverview.pptx
@@ -5,41 +5,39 @@
     <p:sldMasterId id="2147483657" r:id="rId1"/>
   </p:sldMasterIdLst>
   <p:notesMasterIdLst>
-    <p:notesMasterId r:id="rId10"/>
+    <p:notesMasterId r:id="rId8"/>
   </p:notesMasterIdLst>
   <p:sldIdLst>
-    <p:sldId id="259" r:id="rId2"/>
-    <p:sldId id="265" r:id="rId3"/>
-    <p:sldId id="261" r:id="rId4"/>
-    <p:sldId id="262" r:id="rId5"/>
-    <p:sldId id="263" r:id="rId6"/>
-    <p:sldId id="269" r:id="rId7"/>
-    <p:sldId id="274" r:id="rId8"/>
-    <p:sldId id="277" r:id="rId9"/>
+    <p:sldId id="265" r:id="rId2"/>
+    <p:sldId id="261" r:id="rId3"/>
+    <p:sldId id="262" r:id="rId4"/>
+    <p:sldId id="263" r:id="rId5"/>
+    <p:sldId id="274" r:id="rId6"/>
+    <p:sldId id="277" r:id="rId7"/>
   </p:sldIdLst>
   <p:sldSz cx="9144000" cy="5143500" type="screen16x9"/>
   <p:notesSz cx="6858000" cy="9144000"/>
   <p:embeddedFontLst>
     <p:embeddedFont>
       <p:font typeface="Arvo" panose="020B0604020202020204" charset="0"/>
-      <p:regular r:id="rId11"/>
-      <p:bold r:id="rId12"/>
-      <p:italic r:id="rId13"/>
-      <p:boldItalic r:id="rId14"/>
+      <p:regular r:id="rId9"/>
+      <p:bold r:id="rId10"/>
+      <p:italic r:id="rId11"/>
+      <p:boldItalic r:id="rId12"/>
     </p:embeddedFont>
     <p:embeddedFont>
       <p:font typeface="Roboto Condensed" panose="02000000000000000000" pitchFamily="2" charset="0"/>
-      <p:regular r:id="rId15"/>
-      <p:bold r:id="rId16"/>
-      <p:italic r:id="rId17"/>
-      <p:boldItalic r:id="rId18"/>
+      <p:regular r:id="rId13"/>
+      <p:bold r:id="rId14"/>
+      <p:italic r:id="rId15"/>
+      <p:boldItalic r:id="rId16"/>
     </p:embeddedFont>
     <p:embeddedFont>
       <p:font typeface="Roboto Condensed Light" panose="02000000000000000000" pitchFamily="2" charset="0"/>
-      <p:regular r:id="rId19"/>
-      <p:bold r:id="rId20"/>
-      <p:italic r:id="rId21"/>
-      <p:boldItalic r:id="rId22"/>
+      <p:regular r:id="rId17"/>
+      <p:bold r:id="rId18"/>
+      <p:italic r:id="rId19"/>
+      <p:boldItalic r:id="rId20"/>
     </p:embeddedFont>
   </p:embeddedFontLst>
   <p:defaultTextStyle>
@@ -252,6 +250,49 @@
 </p:presentation>
 </file>
 
+<file path=ppt/changesInfos/changesInfo1.xml><?xml version="1.0" encoding="utf-8"?>
+<pc:chgInfo xmlns:a="http://schemas.openxmlformats.org/drawingml/2006/main" xmlns:r="http://schemas.openxmlformats.org/officeDocument/2006/relationships" xmlns:ac="http://schemas.microsoft.com/office/drawing/2013/main/command" xmlns:pc="http://schemas.microsoft.com/office/powerpoint/2013/main/command">
+  <pc:docChgLst>
+    <pc:chgData name="Jan" userId="185de13651d64d23" providerId="LiveId" clId="{3477D58C-9977-473F-B9C8-175EF79549C4}"/>
+    <pc:docChg chg="delSld">
+      <pc:chgData name="Jan" userId="185de13651d64d23" providerId="LiveId" clId="{3477D58C-9977-473F-B9C8-175EF79549C4}" dt="2023-07-28T06:27:45.039" v="1" actId="47"/>
+      <pc:docMkLst>
+        <pc:docMk/>
+      </pc:docMkLst>
+      <pc:sldChg chg="del">
+        <pc:chgData name="Jan" userId="185de13651d64d23" providerId="LiveId" clId="{3477D58C-9977-473F-B9C8-175EF79549C4}" dt="2023-07-28T06:27:39.508" v="0" actId="47"/>
+        <pc:sldMkLst>
+          <pc:docMk/>
+          <pc:sldMk cId="0" sldId="259"/>
+        </pc:sldMkLst>
+      </pc:sldChg>
+      <pc:sldChg chg="del">
+        <pc:chgData name="Jan" userId="185de13651d64d23" providerId="LiveId" clId="{3477D58C-9977-473F-B9C8-175EF79549C4}" dt="2023-07-28T06:27:45.039" v="1" actId="47"/>
+        <pc:sldMkLst>
+          <pc:docMk/>
+          <pc:sldMk cId="2263739706" sldId="269"/>
+        </pc:sldMkLst>
+      </pc:sldChg>
+      <pc:sldMasterChg chg="delSldLayout">
+        <pc:chgData name="Jan" userId="185de13651d64d23" providerId="LiveId" clId="{3477D58C-9977-473F-B9C8-175EF79549C4}" dt="2023-07-28T06:27:39.508" v="0" actId="47"/>
+        <pc:sldMasterMkLst>
+          <pc:docMk/>
+          <pc:sldMasterMk cId="0" sldId="2147483657"/>
+        </pc:sldMasterMkLst>
+        <pc:sldLayoutChg chg="del">
+          <pc:chgData name="Jan" userId="185de13651d64d23" providerId="LiveId" clId="{3477D58C-9977-473F-B9C8-175EF79549C4}" dt="2023-07-28T06:27:39.508" v="0" actId="47"/>
+          <pc:sldLayoutMkLst>
+            <pc:docMk/>
+            <pc:sldMasterMk cId="0" sldId="2147483657"/>
+            <pc:sldLayoutMk cId="0" sldId="2147483649"/>
+          </pc:sldLayoutMkLst>
+        </pc:sldLayoutChg>
+      </pc:sldMasterChg>
+    </pc:docChg>
+  </pc:docChgLst>
+</pc:chgInfo>
+</file>
+
 <file path=ppt/notesMasters/notesMaster1.xml><?xml version="1.0" encoding="utf-8"?>
 <p:notesMaster xmlns:a="http://schemas.openxmlformats.org/drawingml/2006/main" xmlns:r="http://schemas.openxmlformats.org/officeDocument/2006/relationships" xmlns:p="http://schemas.openxmlformats.org/presentationml/2006/main">
   <p:cSld>
@@ -532,107 +573,6 @@
   <p:cSld>
     <p:spTree>
       <p:nvGrpSpPr>
-        <p:cNvPr id="1" name="Shape 217"/>
-        <p:cNvGrpSpPr/>
-        <p:nvPr/>
-      </p:nvGrpSpPr>
-      <p:grpSpPr>
-        <a:xfrm>
-          <a:off x="0" y="0"/>
-          <a:ext cx="0" cy="0"/>
-          <a:chOff x="0" y="0"/>
-          <a:chExt cx="0" cy="0"/>
-        </a:xfrm>
-      </p:grpSpPr>
-      <p:sp>
-        <p:nvSpPr>
-          <p:cNvPr id="218" name="Shape 218"/>
-          <p:cNvSpPr>
-            <a:spLocks noGrp="1" noRot="1" noChangeAspect="1"/>
-          </p:cNvSpPr>
-          <p:nvPr>
-            <p:ph type="sldImg" idx="2"/>
-          </p:nvPr>
-        </p:nvSpPr>
-        <p:spPr>
-          <a:xfrm>
-            <a:off x="381000" y="685800"/>
-            <a:ext cx="6096000" cy="3429000"/>
-          </a:xfrm>
-          <a:custGeom>
-            <a:avLst/>
-            <a:gdLst/>
-            <a:ahLst/>
-            <a:cxnLst/>
-            <a:rect l="0" t="0" r="0" b="0"/>
-            <a:pathLst>
-              <a:path w="120000" h="120000" extrusionOk="0">
-                <a:moveTo>
-                  <a:pt x="0" y="0"/>
-                </a:moveTo>
-                <a:lnTo>
-                  <a:pt x="120000" y="0"/>
-                </a:lnTo>
-                <a:lnTo>
-                  <a:pt x="120000" y="120000"/>
-                </a:lnTo>
-                <a:lnTo>
-                  <a:pt x="0" y="120000"/>
-                </a:lnTo>
-                <a:close/>
-              </a:path>
-            </a:pathLst>
-          </a:custGeom>
-        </p:spPr>
-      </p:sp>
-      <p:sp>
-        <p:nvSpPr>
-          <p:cNvPr id="219" name="Shape 219"/>
-          <p:cNvSpPr txBox="1">
-            <a:spLocks noGrp="1"/>
-          </p:cNvSpPr>
-          <p:nvPr>
-            <p:ph type="body" idx="1"/>
-          </p:nvPr>
-        </p:nvSpPr>
-        <p:spPr>
-          <a:xfrm>
-            <a:off x="685800" y="4343400"/>
-            <a:ext cx="5486400" cy="4114800"/>
-          </a:xfrm>
-          <a:prstGeom prst="rect">
-            <a:avLst/>
-          </a:prstGeom>
-        </p:spPr>
-        <p:txBody>
-          <a:bodyPr wrap="square" lIns="91425" tIns="91425" rIns="91425" bIns="91425" anchor="t" anchorCtr="0">
-            <a:noAutofit/>
-          </a:bodyPr>
-          <a:lstStyle/>
-          <a:p>
-            <a:pPr lvl="0">
-              <a:spcBef>
-                <a:spcPts val="0"/>
-              </a:spcBef>
-              <a:buNone/>
-            </a:pPr>
-            <a:endParaRPr/>
-          </a:p>
-        </p:txBody>
-      </p:sp>
-    </p:spTree>
-  </p:cSld>
-  <p:clrMapOvr>
-    <a:masterClrMapping/>
-  </p:clrMapOvr>
-</p:notes>
-</file>
-
-<file path=ppt/notesSlides/notesSlide2.xml><?xml version="1.0" encoding="utf-8"?>
-<p:notes xmlns:a="http://schemas.openxmlformats.org/drawingml/2006/main" xmlns:r="http://schemas.openxmlformats.org/officeDocument/2006/relationships" xmlns:p="http://schemas.openxmlformats.org/presentationml/2006/main" showMasterSp="0" showMasterPhAnim="0">
-  <p:cSld>
-    <p:spTree>
-      <p:nvGrpSpPr>
         <p:cNvPr id="1" name="Shape 244"/>
         <p:cNvGrpSpPr/>
         <p:nvPr/>
@@ -727,6 +667,107 @@
         <p14:creationId xmlns:p14="http://schemas.microsoft.com/office/powerpoint/2010/main" val="2923018291"/>
       </p:ext>
     </p:extLst>
+  </p:cSld>
+  <p:clrMapOvr>
+    <a:masterClrMapping/>
+  </p:clrMapOvr>
+</p:notes>
+</file>
+
+<file path=ppt/notesSlides/notesSlide2.xml><?xml version="1.0" encoding="utf-8"?>
+<p:notes xmlns:a="http://schemas.openxmlformats.org/drawingml/2006/main" xmlns:r="http://schemas.openxmlformats.org/officeDocument/2006/relationships" xmlns:p="http://schemas.openxmlformats.org/presentationml/2006/main" showMasterSp="0" showMasterPhAnim="0">
+  <p:cSld>
+    <p:spTree>
+      <p:nvGrpSpPr>
+        <p:cNvPr id="1" name="Shape 232"/>
+        <p:cNvGrpSpPr/>
+        <p:nvPr/>
+      </p:nvGrpSpPr>
+      <p:grpSpPr>
+        <a:xfrm>
+          <a:off x="0" y="0"/>
+          <a:ext cx="0" cy="0"/>
+          <a:chOff x="0" y="0"/>
+          <a:chExt cx="0" cy="0"/>
+        </a:xfrm>
+      </p:grpSpPr>
+      <p:sp>
+        <p:nvSpPr>
+          <p:cNvPr id="233" name="Shape 233"/>
+          <p:cNvSpPr>
+            <a:spLocks noGrp="1" noRot="1" noChangeAspect="1"/>
+          </p:cNvSpPr>
+          <p:nvPr>
+            <p:ph type="sldImg" idx="2"/>
+          </p:nvPr>
+        </p:nvSpPr>
+        <p:spPr>
+          <a:xfrm>
+            <a:off x="381000" y="685800"/>
+            <a:ext cx="6096000" cy="3429000"/>
+          </a:xfrm>
+          <a:custGeom>
+            <a:avLst/>
+            <a:gdLst/>
+            <a:ahLst/>
+            <a:cxnLst/>
+            <a:rect l="0" t="0" r="0" b="0"/>
+            <a:pathLst>
+              <a:path w="120000" h="120000" extrusionOk="0">
+                <a:moveTo>
+                  <a:pt x="0" y="0"/>
+                </a:moveTo>
+                <a:lnTo>
+                  <a:pt x="120000" y="0"/>
+                </a:lnTo>
+                <a:lnTo>
+                  <a:pt x="120000" y="120000"/>
+                </a:lnTo>
+                <a:lnTo>
+                  <a:pt x="0" y="120000"/>
+                </a:lnTo>
+                <a:close/>
+              </a:path>
+            </a:pathLst>
+          </a:custGeom>
+        </p:spPr>
+      </p:sp>
+      <p:sp>
+        <p:nvSpPr>
+          <p:cNvPr id="234" name="Shape 234"/>
+          <p:cNvSpPr txBox="1">
+            <a:spLocks noGrp="1"/>
+          </p:cNvSpPr>
+          <p:nvPr>
+            <p:ph type="body" idx="1"/>
+          </p:nvPr>
+        </p:nvSpPr>
+        <p:spPr>
+          <a:xfrm>
+            <a:off x="685800" y="4343400"/>
+            <a:ext cx="5486400" cy="4114800"/>
+          </a:xfrm>
+          <a:prstGeom prst="rect">
+            <a:avLst/>
+          </a:prstGeom>
+        </p:spPr>
+        <p:txBody>
+          <a:bodyPr wrap="square" lIns="91425" tIns="91425" rIns="91425" bIns="91425" anchor="t" anchorCtr="0">
+            <a:noAutofit/>
+          </a:bodyPr>
+          <a:lstStyle/>
+          <a:p>
+            <a:pPr lvl="0">
+              <a:spcBef>
+                <a:spcPts val="0"/>
+              </a:spcBef>
+              <a:buNone/>
+            </a:pPr>
+            <a:endParaRPr/>
+          </a:p>
+        </p:txBody>
+      </p:sp>
+    </p:spTree>
   </p:cSld>
   <p:clrMapOvr>
     <a:masterClrMapping/>
@@ -828,6 +869,11 @@
         </p:txBody>
       </p:sp>
     </p:spTree>
+    <p:extLst>
+      <p:ext uri="{BB962C8B-B14F-4D97-AF65-F5344CB8AC3E}">
+        <p14:creationId xmlns:p14="http://schemas.microsoft.com/office/powerpoint/2010/main" val="2605390910"/>
+      </p:ext>
+    </p:extLst>
   </p:cSld>
   <p:clrMapOvr>
     <a:masterClrMapping/>
@@ -836,6 +882,112 @@
 </file>
 
 <file path=ppt/notesSlides/notesSlide4.xml><?xml version="1.0" encoding="utf-8"?>
+<p:notes xmlns:a="http://schemas.openxmlformats.org/drawingml/2006/main" xmlns:r="http://schemas.openxmlformats.org/officeDocument/2006/relationships" xmlns:p="http://schemas.openxmlformats.org/presentationml/2006/main" showMasterSp="0" showMasterPhAnim="0">
+  <p:cSld>
+    <p:spTree>
+      <p:nvGrpSpPr>
+        <p:cNvPr id="1" name="Shape 337"/>
+        <p:cNvGrpSpPr/>
+        <p:nvPr/>
+      </p:nvGrpSpPr>
+      <p:grpSpPr>
+        <a:xfrm>
+          <a:off x="0" y="0"/>
+          <a:ext cx="0" cy="0"/>
+          <a:chOff x="0" y="0"/>
+          <a:chExt cx="0" cy="0"/>
+        </a:xfrm>
+      </p:grpSpPr>
+      <p:sp>
+        <p:nvSpPr>
+          <p:cNvPr id="338" name="Shape 338"/>
+          <p:cNvSpPr>
+            <a:spLocks noGrp="1" noRot="1" noChangeAspect="1"/>
+          </p:cNvSpPr>
+          <p:nvPr>
+            <p:ph type="sldImg" idx="2"/>
+          </p:nvPr>
+        </p:nvSpPr>
+        <p:spPr>
+          <a:xfrm>
+            <a:off x="381000" y="685800"/>
+            <a:ext cx="6096000" cy="3429000"/>
+          </a:xfrm>
+          <a:custGeom>
+            <a:avLst/>
+            <a:gdLst/>
+            <a:ahLst/>
+            <a:cxnLst/>
+            <a:rect l="0" t="0" r="0" b="0"/>
+            <a:pathLst>
+              <a:path w="120000" h="120000" extrusionOk="0">
+                <a:moveTo>
+                  <a:pt x="0" y="0"/>
+                </a:moveTo>
+                <a:lnTo>
+                  <a:pt x="120000" y="0"/>
+                </a:lnTo>
+                <a:lnTo>
+                  <a:pt x="120000" y="120000"/>
+                </a:lnTo>
+                <a:lnTo>
+                  <a:pt x="0" y="120000"/>
+                </a:lnTo>
+                <a:close/>
+              </a:path>
+            </a:pathLst>
+          </a:custGeom>
+        </p:spPr>
+      </p:sp>
+      <p:sp>
+        <p:nvSpPr>
+          <p:cNvPr id="339" name="Shape 339"/>
+          <p:cNvSpPr txBox="1">
+            <a:spLocks noGrp="1"/>
+          </p:cNvSpPr>
+          <p:nvPr>
+            <p:ph type="body" idx="1"/>
+          </p:nvPr>
+        </p:nvSpPr>
+        <p:spPr>
+          <a:xfrm>
+            <a:off x="685800" y="4343400"/>
+            <a:ext cx="5486400" cy="4114800"/>
+          </a:xfrm>
+          <a:prstGeom prst="rect">
+            <a:avLst/>
+          </a:prstGeom>
+        </p:spPr>
+        <p:txBody>
+          <a:bodyPr wrap="square" lIns="91425" tIns="91425" rIns="91425" bIns="91425" anchor="t" anchorCtr="0">
+            <a:noAutofit/>
+          </a:bodyPr>
+          <a:lstStyle/>
+          <a:p>
+            <a:pPr lvl="0">
+              <a:spcBef>
+                <a:spcPts val="0"/>
+              </a:spcBef>
+              <a:buNone/>
+            </a:pPr>
+            <a:endParaRPr/>
+          </a:p>
+        </p:txBody>
+      </p:sp>
+    </p:spTree>
+    <p:extLst>
+      <p:ext uri="{BB962C8B-B14F-4D97-AF65-F5344CB8AC3E}">
+        <p14:creationId xmlns:p14="http://schemas.microsoft.com/office/powerpoint/2010/main" val="286695641"/>
+      </p:ext>
+    </p:extLst>
+  </p:cSld>
+  <p:clrMapOvr>
+    <a:masterClrMapping/>
+  </p:clrMapOvr>
+</p:notes>
+</file>
+
+<file path=ppt/notesSlides/notesSlide5.xml><?xml version="1.0" encoding="utf-8"?>
 <p:notes xmlns:a="http://schemas.openxmlformats.org/drawingml/2006/main" xmlns:r="http://schemas.openxmlformats.org/officeDocument/2006/relationships" xmlns:p="http://schemas.openxmlformats.org/presentationml/2006/main" showMasterSp="0" showMasterPhAnim="0">
   <p:cSld>
     <p:spTree>
@@ -931,113 +1083,7 @@
     </p:spTree>
     <p:extLst>
       <p:ext uri="{BB962C8B-B14F-4D97-AF65-F5344CB8AC3E}">
-        <p14:creationId xmlns:p14="http://schemas.microsoft.com/office/powerpoint/2010/main" val="2605390910"/>
-      </p:ext>
-    </p:extLst>
-  </p:cSld>
-  <p:clrMapOvr>
-    <a:masterClrMapping/>
-  </p:clrMapOvr>
-</p:notes>
-</file>
-
-<file path=ppt/notesSlides/notesSlide5.xml><?xml version="1.0" encoding="utf-8"?>
-<p:notes xmlns:a="http://schemas.openxmlformats.org/drawingml/2006/main" xmlns:r="http://schemas.openxmlformats.org/officeDocument/2006/relationships" xmlns:p="http://schemas.openxmlformats.org/presentationml/2006/main" showMasterSp="0" showMasterPhAnim="0">
-  <p:cSld>
-    <p:spTree>
-      <p:nvGrpSpPr>
-        <p:cNvPr id="1" name="Shape 337"/>
-        <p:cNvGrpSpPr/>
-        <p:nvPr/>
-      </p:nvGrpSpPr>
-      <p:grpSpPr>
-        <a:xfrm>
-          <a:off x="0" y="0"/>
-          <a:ext cx="0" cy="0"/>
-          <a:chOff x="0" y="0"/>
-          <a:chExt cx="0" cy="0"/>
-        </a:xfrm>
-      </p:grpSpPr>
-      <p:sp>
-        <p:nvSpPr>
-          <p:cNvPr id="338" name="Shape 338"/>
-          <p:cNvSpPr>
-            <a:spLocks noGrp="1" noRot="1" noChangeAspect="1"/>
-          </p:cNvSpPr>
-          <p:nvPr>
-            <p:ph type="sldImg" idx="2"/>
-          </p:nvPr>
-        </p:nvSpPr>
-        <p:spPr>
-          <a:xfrm>
-            <a:off x="381000" y="685800"/>
-            <a:ext cx="6096000" cy="3429000"/>
-          </a:xfrm>
-          <a:custGeom>
-            <a:avLst/>
-            <a:gdLst/>
-            <a:ahLst/>
-            <a:cxnLst/>
-            <a:rect l="0" t="0" r="0" b="0"/>
-            <a:pathLst>
-              <a:path w="120000" h="120000" extrusionOk="0">
-                <a:moveTo>
-                  <a:pt x="0" y="0"/>
-                </a:moveTo>
-                <a:lnTo>
-                  <a:pt x="120000" y="0"/>
-                </a:lnTo>
-                <a:lnTo>
-                  <a:pt x="120000" y="120000"/>
-                </a:lnTo>
-                <a:lnTo>
-                  <a:pt x="0" y="120000"/>
-                </a:lnTo>
-                <a:close/>
-              </a:path>
-            </a:pathLst>
-          </a:custGeom>
-        </p:spPr>
-      </p:sp>
-      <p:sp>
-        <p:nvSpPr>
-          <p:cNvPr id="339" name="Shape 339"/>
-          <p:cNvSpPr txBox="1">
-            <a:spLocks noGrp="1"/>
-          </p:cNvSpPr>
-          <p:nvPr>
-            <p:ph type="body" idx="1"/>
-          </p:nvPr>
-        </p:nvSpPr>
-        <p:spPr>
-          <a:xfrm>
-            <a:off x="685800" y="4343400"/>
-            <a:ext cx="5486400" cy="4114800"/>
-          </a:xfrm>
-          <a:prstGeom prst="rect">
-            <a:avLst/>
-          </a:prstGeom>
-        </p:spPr>
-        <p:txBody>
-          <a:bodyPr wrap="square" lIns="91425" tIns="91425" rIns="91425" bIns="91425" anchor="t" anchorCtr="0">
-            <a:noAutofit/>
-          </a:bodyPr>
-          <a:lstStyle/>
-          <a:p>
-            <a:pPr lvl="0">
-              <a:spcBef>
-                <a:spcPts val="0"/>
-              </a:spcBef>
-              <a:buNone/>
-            </a:pPr>
-            <a:endParaRPr/>
-          </a:p>
-        </p:txBody>
-      </p:sp>
-    </p:spTree>
-    <p:extLst>
-      <p:ext uri="{BB962C8B-B14F-4D97-AF65-F5344CB8AC3E}">
-        <p14:creationId xmlns:p14="http://schemas.microsoft.com/office/powerpoint/2010/main" val="286695641"/>
+        <p14:creationId xmlns:p14="http://schemas.microsoft.com/office/powerpoint/2010/main" val="515290315"/>
       </p:ext>
     </p:extLst>
   </p:cSld>
@@ -1048,218 +1094,6 @@
 </file>
 
 <file path=ppt/notesSlides/notesSlide6.xml><?xml version="1.0" encoding="utf-8"?>
-<p:notes xmlns:a="http://schemas.openxmlformats.org/drawingml/2006/main" xmlns:r="http://schemas.openxmlformats.org/officeDocument/2006/relationships" xmlns:p="http://schemas.openxmlformats.org/presentationml/2006/main" showMasterSp="0" showMasterPhAnim="0">
-  <p:cSld>
-    <p:spTree>
-      <p:nvGrpSpPr>
-        <p:cNvPr id="1" name="Shape 244"/>
-        <p:cNvGrpSpPr/>
-        <p:nvPr/>
-      </p:nvGrpSpPr>
-      <p:grpSpPr>
-        <a:xfrm>
-          <a:off x="0" y="0"/>
-          <a:ext cx="0" cy="0"/>
-          <a:chOff x="0" y="0"/>
-          <a:chExt cx="0" cy="0"/>
-        </a:xfrm>
-      </p:grpSpPr>
-      <p:sp>
-        <p:nvSpPr>
-          <p:cNvPr id="245" name="Shape 245"/>
-          <p:cNvSpPr>
-            <a:spLocks noGrp="1" noRot="1" noChangeAspect="1"/>
-          </p:cNvSpPr>
-          <p:nvPr>
-            <p:ph type="sldImg" idx="2"/>
-          </p:nvPr>
-        </p:nvSpPr>
-        <p:spPr>
-          <a:xfrm>
-            <a:off x="381000" y="685800"/>
-            <a:ext cx="6096000" cy="3429000"/>
-          </a:xfrm>
-          <a:custGeom>
-            <a:avLst/>
-            <a:gdLst/>
-            <a:ahLst/>
-            <a:cxnLst/>
-            <a:rect l="0" t="0" r="0" b="0"/>
-            <a:pathLst>
-              <a:path w="120000" h="120000" extrusionOk="0">
-                <a:moveTo>
-                  <a:pt x="0" y="0"/>
-                </a:moveTo>
-                <a:lnTo>
-                  <a:pt x="120000" y="0"/>
-                </a:lnTo>
-                <a:lnTo>
-                  <a:pt x="120000" y="120000"/>
-                </a:lnTo>
-                <a:lnTo>
-                  <a:pt x="0" y="120000"/>
-                </a:lnTo>
-                <a:close/>
-              </a:path>
-            </a:pathLst>
-          </a:custGeom>
-        </p:spPr>
-      </p:sp>
-      <p:sp>
-        <p:nvSpPr>
-          <p:cNvPr id="246" name="Shape 246"/>
-          <p:cNvSpPr txBox="1">
-            <a:spLocks noGrp="1"/>
-          </p:cNvSpPr>
-          <p:nvPr>
-            <p:ph type="body" idx="1"/>
-          </p:nvPr>
-        </p:nvSpPr>
-        <p:spPr>
-          <a:xfrm>
-            <a:off x="685800" y="4343400"/>
-            <a:ext cx="5486400" cy="4114800"/>
-          </a:xfrm>
-          <a:prstGeom prst="rect">
-            <a:avLst/>
-          </a:prstGeom>
-        </p:spPr>
-        <p:txBody>
-          <a:bodyPr wrap="square" lIns="91425" tIns="91425" rIns="91425" bIns="91425" anchor="t" anchorCtr="0">
-            <a:noAutofit/>
-          </a:bodyPr>
-          <a:lstStyle/>
-          <a:p>
-            <a:pPr lvl="0">
-              <a:spcBef>
-                <a:spcPts val="0"/>
-              </a:spcBef>
-              <a:buNone/>
-            </a:pPr>
-            <a:endParaRPr/>
-          </a:p>
-        </p:txBody>
-      </p:sp>
-    </p:spTree>
-    <p:extLst>
-      <p:ext uri="{BB962C8B-B14F-4D97-AF65-F5344CB8AC3E}">
-        <p14:creationId xmlns:p14="http://schemas.microsoft.com/office/powerpoint/2010/main" val="3790512670"/>
-      </p:ext>
-    </p:extLst>
-  </p:cSld>
-  <p:clrMapOvr>
-    <a:masterClrMapping/>
-  </p:clrMapOvr>
-</p:notes>
-</file>
-
-<file path=ppt/notesSlides/notesSlide7.xml><?xml version="1.0" encoding="utf-8"?>
-<p:notes xmlns:a="http://schemas.openxmlformats.org/drawingml/2006/main" xmlns:r="http://schemas.openxmlformats.org/officeDocument/2006/relationships" xmlns:p="http://schemas.openxmlformats.org/presentationml/2006/main" showMasterSp="0" showMasterPhAnim="0">
-  <p:cSld>
-    <p:spTree>
-      <p:nvGrpSpPr>
-        <p:cNvPr id="1" name="Shape 232"/>
-        <p:cNvGrpSpPr/>
-        <p:nvPr/>
-      </p:nvGrpSpPr>
-      <p:grpSpPr>
-        <a:xfrm>
-          <a:off x="0" y="0"/>
-          <a:ext cx="0" cy="0"/>
-          <a:chOff x="0" y="0"/>
-          <a:chExt cx="0" cy="0"/>
-        </a:xfrm>
-      </p:grpSpPr>
-      <p:sp>
-        <p:nvSpPr>
-          <p:cNvPr id="233" name="Shape 233"/>
-          <p:cNvSpPr>
-            <a:spLocks noGrp="1" noRot="1" noChangeAspect="1"/>
-          </p:cNvSpPr>
-          <p:nvPr>
-            <p:ph type="sldImg" idx="2"/>
-          </p:nvPr>
-        </p:nvSpPr>
-        <p:spPr>
-          <a:xfrm>
-            <a:off x="381000" y="685800"/>
-            <a:ext cx="6096000" cy="3429000"/>
-          </a:xfrm>
-          <a:custGeom>
-            <a:avLst/>
-            <a:gdLst/>
-            <a:ahLst/>
-            <a:cxnLst/>
-            <a:rect l="0" t="0" r="0" b="0"/>
-            <a:pathLst>
-              <a:path w="120000" h="120000" extrusionOk="0">
-                <a:moveTo>
-                  <a:pt x="0" y="0"/>
-                </a:moveTo>
-                <a:lnTo>
-                  <a:pt x="120000" y="0"/>
-                </a:lnTo>
-                <a:lnTo>
-                  <a:pt x="120000" y="120000"/>
-                </a:lnTo>
-                <a:lnTo>
-                  <a:pt x="0" y="120000"/>
-                </a:lnTo>
-                <a:close/>
-              </a:path>
-            </a:pathLst>
-          </a:custGeom>
-        </p:spPr>
-      </p:sp>
-      <p:sp>
-        <p:nvSpPr>
-          <p:cNvPr id="234" name="Shape 234"/>
-          <p:cNvSpPr txBox="1">
-            <a:spLocks noGrp="1"/>
-          </p:cNvSpPr>
-          <p:nvPr>
-            <p:ph type="body" idx="1"/>
-          </p:nvPr>
-        </p:nvSpPr>
-        <p:spPr>
-          <a:xfrm>
-            <a:off x="685800" y="4343400"/>
-            <a:ext cx="5486400" cy="4114800"/>
-          </a:xfrm>
-          <a:prstGeom prst="rect">
-            <a:avLst/>
-          </a:prstGeom>
-        </p:spPr>
-        <p:txBody>
-          <a:bodyPr wrap="square" lIns="91425" tIns="91425" rIns="91425" bIns="91425" anchor="t" anchorCtr="0">
-            <a:noAutofit/>
-          </a:bodyPr>
-          <a:lstStyle/>
-          <a:p>
-            <a:pPr lvl="0">
-              <a:spcBef>
-                <a:spcPts val="0"/>
-              </a:spcBef>
-              <a:buNone/>
-            </a:pPr>
-            <a:endParaRPr/>
-          </a:p>
-        </p:txBody>
-      </p:sp>
-    </p:spTree>
-    <p:extLst>
-      <p:ext uri="{BB962C8B-B14F-4D97-AF65-F5344CB8AC3E}">
-        <p14:creationId xmlns:p14="http://schemas.microsoft.com/office/powerpoint/2010/main" val="515290315"/>
-      </p:ext>
-    </p:extLst>
-  </p:cSld>
-  <p:clrMapOvr>
-    <a:masterClrMapping/>
-  </p:clrMapOvr>
-</p:notes>
-</file>
-
-<file path=ppt/notesSlides/notesSlide8.xml><?xml version="1.0" encoding="utf-8"?>
 <p:notes xmlns:a="http://schemas.openxmlformats.org/drawingml/2006/main" xmlns:r="http://schemas.openxmlformats.org/officeDocument/2006/relationships" xmlns:p="http://schemas.openxmlformats.org/presentationml/2006/main" showMasterSp="0" showMasterPhAnim="0">
   <p:cSld>
     <p:spTree>
@@ -1366,793 +1200,6 @@
 </file>
 
 <file path=ppt/slideLayouts/slideLayout1.xml><?xml version="1.0" encoding="utf-8"?>
-<p:sldLayout xmlns:a="http://schemas.openxmlformats.org/drawingml/2006/main" xmlns:r="http://schemas.openxmlformats.org/officeDocument/2006/relationships" xmlns:p="http://schemas.openxmlformats.org/presentationml/2006/main">
-  <p:cSld name="Subtitle">
-    <p:spTree>
-      <p:nvGrpSpPr>
-        <p:cNvPr id="1" name="Shape 23"/>
-        <p:cNvGrpSpPr/>
-        <p:nvPr/>
-      </p:nvGrpSpPr>
-      <p:grpSpPr>
-        <a:xfrm>
-          <a:off x="0" y="0"/>
-          <a:ext cx="0" cy="0"/>
-          <a:chOff x="0" y="0"/>
-          <a:chExt cx="0" cy="0"/>
-        </a:xfrm>
-      </p:grpSpPr>
-      <p:sp>
-        <p:nvSpPr>
-          <p:cNvPr id="24" name="Shape 24"/>
-          <p:cNvSpPr/>
-          <p:nvPr/>
-        </p:nvSpPr>
-        <p:spPr>
-          <a:xfrm>
-            <a:off x="5697214" y="2635519"/>
-            <a:ext cx="889200" cy="296400"/>
-          </a:xfrm>
-          <a:prstGeom prst="triangle">
-            <a:avLst>
-              <a:gd name="adj" fmla="val 32425"/>
-            </a:avLst>
-          </a:prstGeom>
-          <a:solidFill>
-            <a:srgbClr val="263248"/>
-          </a:solidFill>
-          <a:ln>
-            <a:noFill/>
-          </a:ln>
-        </p:spPr>
-        <p:txBody>
-          <a:bodyPr wrap="square" lIns="91425" tIns="91425" rIns="91425" bIns="91425" anchor="ctr" anchorCtr="0">
-            <a:noAutofit/>
-          </a:bodyPr>
-          <a:lstStyle/>
-          <a:p>
-            <a:pPr lvl="0" rtl="0">
-              <a:spcBef>
-                <a:spcPts val="0"/>
-              </a:spcBef>
-              <a:buNone/>
-            </a:pPr>
-            <a:endParaRPr>
-              <a:latin typeface="Arvo"/>
-              <a:ea typeface="Arvo"/>
-              <a:cs typeface="Arvo"/>
-              <a:sym typeface="Arvo"/>
-            </a:endParaRPr>
-          </a:p>
-        </p:txBody>
-      </p:sp>
-      <p:grpSp>
-        <p:nvGrpSpPr>
-          <p:cNvPr id="25" name="Shape 25"/>
-          <p:cNvGrpSpPr/>
-          <p:nvPr/>
-        </p:nvGrpSpPr>
-        <p:grpSpPr>
-          <a:xfrm>
-            <a:off x="0" y="-7088"/>
-            <a:ext cx="8661398" cy="5150588"/>
-            <a:chOff x="0" y="-7088"/>
-            <a:chExt cx="8661398" cy="5150588"/>
-          </a:xfrm>
-        </p:grpSpPr>
-        <p:sp>
-          <p:nvSpPr>
-            <p:cNvPr id="26" name="Shape 26"/>
-            <p:cNvSpPr/>
-            <p:nvPr/>
-          </p:nvSpPr>
-          <p:spPr>
-            <a:xfrm>
-              <a:off x="0" y="0"/>
-              <a:ext cx="3525000" cy="5143500"/>
-            </a:xfrm>
-            <a:prstGeom prst="rect">
-              <a:avLst/>
-            </a:prstGeom>
-            <a:solidFill>
-              <a:srgbClr val="C7D3E6"/>
-            </a:solidFill>
-            <a:ln>
-              <a:noFill/>
-            </a:ln>
-          </p:spPr>
-          <p:txBody>
-            <a:bodyPr wrap="square" lIns="91425" tIns="91425" rIns="91425" bIns="91425" anchor="ctr" anchorCtr="0">
-              <a:noAutofit/>
-            </a:bodyPr>
-            <a:lstStyle/>
-            <a:p>
-              <a:pPr lvl="0">
-                <a:spcBef>
-                  <a:spcPts val="0"/>
-                </a:spcBef>
-                <a:buNone/>
-              </a:pPr>
-              <a:endParaRPr/>
-            </a:p>
-          </p:txBody>
-        </p:sp>
-        <p:sp>
-          <p:nvSpPr>
-            <p:cNvPr id="27" name="Shape 27"/>
-            <p:cNvSpPr/>
-            <p:nvPr/>
-          </p:nvSpPr>
-          <p:spPr>
-            <a:xfrm rot="10800000" flipH="1">
-              <a:off x="3517898" y="-7088"/>
-              <a:ext cx="5143500" cy="5143500"/>
-            </a:xfrm>
-            <a:prstGeom prst="rtTriangle">
-              <a:avLst/>
-            </a:prstGeom>
-            <a:solidFill>
-              <a:srgbClr val="C7D3E6"/>
-            </a:solidFill>
-            <a:ln>
-              <a:noFill/>
-            </a:ln>
-          </p:spPr>
-          <p:txBody>
-            <a:bodyPr wrap="square" lIns="91425" tIns="91425" rIns="91425" bIns="91425" anchor="ctr" anchorCtr="0">
-              <a:noAutofit/>
-            </a:bodyPr>
-            <a:lstStyle/>
-            <a:p>
-              <a:pPr lvl="0" rtl="0">
-                <a:spcBef>
-                  <a:spcPts val="0"/>
-                </a:spcBef>
-                <a:buNone/>
-              </a:pPr>
-              <a:endParaRPr>
-                <a:latin typeface="Arvo"/>
-                <a:ea typeface="Arvo"/>
-                <a:cs typeface="Arvo"/>
-                <a:sym typeface="Arvo"/>
-              </a:endParaRPr>
-            </a:p>
-          </p:txBody>
-        </p:sp>
-      </p:grpSp>
-      <p:grpSp>
-        <p:nvGrpSpPr>
-          <p:cNvPr id="28" name="Shape 28"/>
-          <p:cNvGrpSpPr/>
-          <p:nvPr/>
-        </p:nvGrpSpPr>
-        <p:grpSpPr>
-          <a:xfrm rot="10800000" flipH="1">
-            <a:off x="-2" y="2924826"/>
-            <a:ext cx="6589087" cy="2027268"/>
-            <a:chOff x="-9894852" y="-4493254"/>
-            <a:chExt cx="21200407" cy="6522740"/>
-          </a:xfrm>
-        </p:grpSpPr>
-        <p:sp>
-          <p:nvSpPr>
-            <p:cNvPr id="29" name="Shape 29"/>
-            <p:cNvSpPr/>
-            <p:nvPr/>
-          </p:nvSpPr>
-          <p:spPr>
-            <a:xfrm>
-              <a:off x="-9894852" y="-4493114"/>
-              <a:ext cx="14685300" cy="6522600"/>
-            </a:xfrm>
-            <a:prstGeom prst="rect">
-              <a:avLst/>
-            </a:prstGeom>
-            <a:solidFill>
-              <a:srgbClr val="3F5378"/>
-            </a:solidFill>
-            <a:ln>
-              <a:noFill/>
-            </a:ln>
-          </p:spPr>
-          <p:txBody>
-            <a:bodyPr wrap="square" lIns="91425" tIns="91425" rIns="91425" bIns="91425" anchor="ctr" anchorCtr="0">
-              <a:noAutofit/>
-            </a:bodyPr>
-            <a:lstStyle/>
-            <a:p>
-              <a:pPr lvl="0" rtl="0">
-                <a:spcBef>
-                  <a:spcPts val="0"/>
-                </a:spcBef>
-                <a:buNone/>
-              </a:pPr>
-              <a:endParaRPr>
-                <a:latin typeface="Arvo"/>
-                <a:ea typeface="Arvo"/>
-                <a:cs typeface="Arvo"/>
-                <a:sym typeface="Arvo"/>
-              </a:endParaRPr>
-            </a:p>
-          </p:txBody>
-        </p:sp>
-        <p:sp>
-          <p:nvSpPr>
-            <p:cNvPr id="30" name="Shape 30"/>
-            <p:cNvSpPr/>
-            <p:nvPr/>
-          </p:nvSpPr>
-          <p:spPr>
-            <a:xfrm>
-              <a:off x="4782955" y="-4493254"/>
-              <a:ext cx="6522600" cy="6522600"/>
-            </a:xfrm>
-            <a:prstGeom prst="rtTriangle">
-              <a:avLst/>
-            </a:prstGeom>
-            <a:solidFill>
-              <a:srgbClr val="3F5378"/>
-            </a:solidFill>
-            <a:ln>
-              <a:noFill/>
-            </a:ln>
-          </p:spPr>
-          <p:txBody>
-            <a:bodyPr wrap="square" lIns="91425" tIns="91425" rIns="91425" bIns="91425" anchor="ctr" anchorCtr="0">
-              <a:noAutofit/>
-            </a:bodyPr>
-            <a:lstStyle/>
-            <a:p>
-              <a:pPr lvl="0" rtl="0">
-                <a:spcBef>
-                  <a:spcPts val="0"/>
-                </a:spcBef>
-                <a:buNone/>
-              </a:pPr>
-              <a:endParaRPr>
-                <a:latin typeface="Arvo"/>
-                <a:ea typeface="Arvo"/>
-                <a:cs typeface="Arvo"/>
-                <a:sym typeface="Arvo"/>
-              </a:endParaRPr>
-            </a:p>
-          </p:txBody>
-        </p:sp>
-      </p:grpSp>
-      <p:grpSp>
-        <p:nvGrpSpPr>
-          <p:cNvPr id="31" name="Shape 31"/>
-          <p:cNvGrpSpPr/>
-          <p:nvPr/>
-        </p:nvGrpSpPr>
-        <p:grpSpPr>
-          <a:xfrm>
-            <a:off x="6946842" y="4472723"/>
-            <a:ext cx="2202830" cy="670795"/>
-            <a:chOff x="5575242" y="4472723"/>
-            <a:chExt cx="2202830" cy="670795"/>
-          </a:xfrm>
-        </p:grpSpPr>
-        <p:sp>
-          <p:nvSpPr>
-            <p:cNvPr id="32" name="Shape 32"/>
-            <p:cNvSpPr/>
-            <p:nvPr/>
-          </p:nvSpPr>
-          <p:spPr>
-            <a:xfrm rot="10800000">
-              <a:off x="5575242" y="4948334"/>
-              <a:ext cx="394200" cy="131400"/>
-            </a:xfrm>
-            <a:prstGeom prst="triangle">
-              <a:avLst>
-                <a:gd name="adj" fmla="val 32425"/>
-              </a:avLst>
-            </a:prstGeom>
-            <a:solidFill>
-              <a:srgbClr val="D26F00"/>
-            </a:solidFill>
-            <a:ln>
-              <a:noFill/>
-            </a:ln>
-          </p:spPr>
-          <p:txBody>
-            <a:bodyPr wrap="square" lIns="91425" tIns="91425" rIns="91425" bIns="91425" anchor="ctr" anchorCtr="0">
-              <a:noAutofit/>
-            </a:bodyPr>
-            <a:lstStyle/>
-            <a:p>
-              <a:pPr lvl="0">
-                <a:spcBef>
-                  <a:spcPts val="0"/>
-                </a:spcBef>
-                <a:buNone/>
-              </a:pPr>
-              <a:endParaRPr/>
-            </a:p>
-          </p:txBody>
-        </p:sp>
-        <p:grpSp>
-          <p:nvGrpSpPr>
-            <p:cNvPr id="33" name="Shape 33"/>
-            <p:cNvGrpSpPr/>
-            <p:nvPr/>
-          </p:nvGrpSpPr>
-          <p:grpSpPr>
-            <a:xfrm flipH="1">
-              <a:off x="5734850" y="4472723"/>
-              <a:ext cx="2040837" cy="670795"/>
-              <a:chOff x="1297954" y="330075"/>
-              <a:chExt cx="5169293" cy="1699506"/>
-            </a:xfrm>
-          </p:grpSpPr>
-          <p:sp>
-            <p:nvSpPr>
-              <p:cNvPr id="34" name="Shape 34"/>
-              <p:cNvSpPr/>
-              <p:nvPr/>
-            </p:nvSpPr>
-            <p:spPr>
-              <a:xfrm>
-                <a:off x="1297954" y="330081"/>
-                <a:ext cx="3476700" cy="1699500"/>
-              </a:xfrm>
-              <a:prstGeom prst="rect">
-                <a:avLst/>
-              </a:prstGeom>
-              <a:solidFill>
-                <a:srgbClr val="C7D3E6"/>
-              </a:solidFill>
-              <a:ln>
-                <a:noFill/>
-              </a:ln>
-            </p:spPr>
-            <p:txBody>
-              <a:bodyPr wrap="square" lIns="91425" tIns="91425" rIns="91425" bIns="91425" anchor="ctr" anchorCtr="0">
-                <a:noAutofit/>
-              </a:bodyPr>
-              <a:lstStyle/>
-              <a:p>
-                <a:pPr lvl="0" rtl="0">
-                  <a:spcBef>
-                    <a:spcPts val="0"/>
-                  </a:spcBef>
-                  <a:buNone/>
-                </a:pPr>
-                <a:endParaRPr/>
-              </a:p>
-            </p:txBody>
-          </p:sp>
-          <p:sp>
-            <p:nvSpPr>
-              <p:cNvPr id="35" name="Shape 35"/>
-              <p:cNvSpPr/>
-              <p:nvPr/>
-            </p:nvSpPr>
-            <p:spPr>
-              <a:xfrm>
-                <a:off x="4767747" y="330075"/>
-                <a:ext cx="1699500" cy="1699500"/>
-              </a:xfrm>
-              <a:prstGeom prst="rtTriangle">
-                <a:avLst/>
-              </a:prstGeom>
-              <a:solidFill>
-                <a:srgbClr val="C7D3E6"/>
-              </a:solidFill>
-              <a:ln>
-                <a:noFill/>
-              </a:ln>
-            </p:spPr>
-            <p:txBody>
-              <a:bodyPr wrap="square" lIns="91425" tIns="91425" rIns="91425" bIns="91425" anchor="ctr" anchorCtr="0">
-                <a:noAutofit/>
-              </a:bodyPr>
-              <a:lstStyle/>
-              <a:p>
-                <a:pPr lvl="0">
-                  <a:spcBef>
-                    <a:spcPts val="0"/>
-                  </a:spcBef>
-                  <a:buNone/>
-                </a:pPr>
-                <a:endParaRPr/>
-              </a:p>
-            </p:txBody>
-          </p:sp>
-        </p:grpSp>
-        <p:grpSp>
-          <p:nvGrpSpPr>
-            <p:cNvPr id="36" name="Shape 36"/>
-            <p:cNvGrpSpPr/>
-            <p:nvPr/>
-          </p:nvGrpSpPr>
-          <p:grpSpPr>
-            <a:xfrm flipH="1">
-              <a:off x="5578209" y="4646738"/>
-              <a:ext cx="2199863" cy="304563"/>
-              <a:chOff x="-5827153" y="330075"/>
-              <a:chExt cx="12276019" cy="1699569"/>
-            </a:xfrm>
-          </p:grpSpPr>
-          <p:sp>
-            <p:nvSpPr>
-              <p:cNvPr id="37" name="Shape 37"/>
-              <p:cNvSpPr/>
-              <p:nvPr/>
-            </p:nvSpPr>
-            <p:spPr>
-              <a:xfrm>
-                <a:off x="-5827153" y="330144"/>
-                <a:ext cx="10612200" cy="1699500"/>
-              </a:xfrm>
-              <a:prstGeom prst="rect">
-                <a:avLst/>
-              </a:prstGeom>
-              <a:solidFill>
-                <a:srgbClr val="FF9800"/>
-              </a:solidFill>
-              <a:ln>
-                <a:noFill/>
-              </a:ln>
-            </p:spPr>
-            <p:txBody>
-              <a:bodyPr wrap="square" lIns="91425" tIns="91425" rIns="91425" bIns="91425" anchor="ctr" anchorCtr="0">
-                <a:noAutofit/>
-              </a:bodyPr>
-              <a:lstStyle/>
-              <a:p>
-                <a:pPr lvl="0" rtl="0">
-                  <a:spcBef>
-                    <a:spcPts val="0"/>
-                  </a:spcBef>
-                  <a:buNone/>
-                </a:pPr>
-                <a:endParaRPr/>
-              </a:p>
-            </p:txBody>
-          </p:sp>
-          <p:sp>
-            <p:nvSpPr>
-              <p:cNvPr id="38" name="Shape 38"/>
-              <p:cNvSpPr/>
-              <p:nvPr/>
-            </p:nvSpPr>
-            <p:spPr>
-              <a:xfrm>
-                <a:off x="4749366" y="330075"/>
-                <a:ext cx="1699500" cy="1699500"/>
-              </a:xfrm>
-              <a:prstGeom prst="rtTriangle">
-                <a:avLst/>
-              </a:prstGeom>
-              <a:solidFill>
-                <a:srgbClr val="FF9800"/>
-              </a:solidFill>
-              <a:ln>
-                <a:noFill/>
-              </a:ln>
-            </p:spPr>
-            <p:txBody>
-              <a:bodyPr wrap="square" lIns="91425" tIns="91425" rIns="91425" bIns="91425" anchor="ctr" anchorCtr="0">
-                <a:noAutofit/>
-              </a:bodyPr>
-              <a:lstStyle/>
-              <a:p>
-                <a:pPr lvl="0">
-                  <a:spcBef>
-                    <a:spcPts val="0"/>
-                  </a:spcBef>
-                  <a:buNone/>
-                </a:pPr>
-                <a:endParaRPr/>
-              </a:p>
-            </p:txBody>
-          </p:sp>
-        </p:grpSp>
-      </p:grpSp>
-      <p:sp>
-        <p:nvSpPr>
-          <p:cNvPr id="39" name="Shape 39"/>
-          <p:cNvSpPr txBox="1">
-            <a:spLocks noGrp="1"/>
-          </p:cNvSpPr>
-          <p:nvPr>
-            <p:ph type="ctrTitle"/>
-          </p:nvPr>
-        </p:nvSpPr>
-        <p:spPr>
-          <a:xfrm>
-            <a:off x="463525" y="2871148"/>
-            <a:ext cx="4094400" cy="1159800"/>
-          </a:xfrm>
-          <a:prstGeom prst="rect">
-            <a:avLst/>
-          </a:prstGeom>
-        </p:spPr>
-        <p:txBody>
-          <a:bodyPr wrap="square" lIns="91425" tIns="91425" rIns="91425" bIns="91425" anchor="b" anchorCtr="0"/>
-          <a:lstStyle>
-            <a:lvl1pPr lvl="0" rtl="0">
-              <a:spcBef>
-                <a:spcPts val="0"/>
-              </a:spcBef>
-              <a:buSzPct val="100000"/>
-              <a:defRPr sz="3000"/>
-            </a:lvl1pPr>
-            <a:lvl2pPr lvl="1" rtl="0">
-              <a:spcBef>
-                <a:spcPts val="0"/>
-              </a:spcBef>
-              <a:buSzPct val="100000"/>
-              <a:defRPr sz="3000"/>
-            </a:lvl2pPr>
-            <a:lvl3pPr lvl="2" rtl="0">
-              <a:spcBef>
-                <a:spcPts val="0"/>
-              </a:spcBef>
-              <a:buSzPct val="100000"/>
-              <a:defRPr sz="3000"/>
-            </a:lvl3pPr>
-            <a:lvl4pPr lvl="3" rtl="0">
-              <a:spcBef>
-                <a:spcPts val="0"/>
-              </a:spcBef>
-              <a:buSzPct val="100000"/>
-              <a:defRPr sz="3000"/>
-            </a:lvl4pPr>
-            <a:lvl5pPr lvl="4" rtl="0">
-              <a:spcBef>
-                <a:spcPts val="0"/>
-              </a:spcBef>
-              <a:buSzPct val="100000"/>
-              <a:defRPr sz="3000"/>
-            </a:lvl5pPr>
-            <a:lvl6pPr lvl="5" rtl="0">
-              <a:spcBef>
-                <a:spcPts val="0"/>
-              </a:spcBef>
-              <a:buSzPct val="100000"/>
-              <a:defRPr sz="3000"/>
-            </a:lvl6pPr>
-            <a:lvl7pPr lvl="6" rtl="0">
-              <a:spcBef>
-                <a:spcPts val="0"/>
-              </a:spcBef>
-              <a:buSzPct val="100000"/>
-              <a:defRPr sz="3000"/>
-            </a:lvl7pPr>
-            <a:lvl8pPr lvl="7" rtl="0">
-              <a:spcBef>
-                <a:spcPts val="0"/>
-              </a:spcBef>
-              <a:buSzPct val="100000"/>
-              <a:defRPr sz="3000"/>
-            </a:lvl8pPr>
-            <a:lvl9pPr lvl="8" rtl="0">
-              <a:spcBef>
-                <a:spcPts val="0"/>
-              </a:spcBef>
-              <a:buSzPct val="100000"/>
-              <a:defRPr sz="3000"/>
-            </a:lvl9pPr>
-          </a:lstStyle>
-          <a:p>
-            <a:endParaRPr/>
-          </a:p>
-        </p:txBody>
-      </p:sp>
-      <p:sp>
-        <p:nvSpPr>
-          <p:cNvPr id="40" name="Shape 40"/>
-          <p:cNvSpPr txBox="1">
-            <a:spLocks noGrp="1"/>
-          </p:cNvSpPr>
-          <p:nvPr>
-            <p:ph type="subTitle" idx="1"/>
-          </p:nvPr>
-        </p:nvSpPr>
-        <p:spPr>
-          <a:xfrm>
-            <a:off x="463525" y="3975449"/>
-            <a:ext cx="4094400" cy="784800"/>
-          </a:xfrm>
-          <a:prstGeom prst="rect">
-            <a:avLst/>
-          </a:prstGeom>
-        </p:spPr>
-        <p:txBody>
-          <a:bodyPr wrap="square" lIns="91425" tIns="91425" rIns="91425" bIns="91425" anchor="t" anchorCtr="0"/>
-          <a:lstStyle>
-            <a:lvl1pPr lvl="0" rtl="0">
-              <a:spcBef>
-                <a:spcPts val="0"/>
-              </a:spcBef>
-              <a:buClr>
-                <a:srgbClr val="FF9800"/>
-              </a:buClr>
-              <a:buSzPct val="100000"/>
-              <a:buNone/>
-              <a:defRPr sz="2000">
-                <a:solidFill>
-                  <a:srgbClr val="FF9800"/>
-                </a:solidFill>
-              </a:defRPr>
-            </a:lvl1pPr>
-            <a:lvl2pPr lvl="1" rtl="0">
-              <a:spcBef>
-                <a:spcPts val="0"/>
-              </a:spcBef>
-              <a:buClr>
-                <a:srgbClr val="FF9800"/>
-              </a:buClr>
-              <a:buSzPct val="100000"/>
-              <a:buNone/>
-              <a:defRPr sz="2000">
-                <a:solidFill>
-                  <a:srgbClr val="FF9800"/>
-                </a:solidFill>
-              </a:defRPr>
-            </a:lvl2pPr>
-            <a:lvl3pPr lvl="2" rtl="0">
-              <a:spcBef>
-                <a:spcPts val="0"/>
-              </a:spcBef>
-              <a:buClr>
-                <a:srgbClr val="FF9800"/>
-              </a:buClr>
-              <a:buSzPct val="100000"/>
-              <a:buNone/>
-              <a:defRPr sz="2000">
-                <a:solidFill>
-                  <a:srgbClr val="FF9800"/>
-                </a:solidFill>
-              </a:defRPr>
-            </a:lvl3pPr>
-            <a:lvl4pPr lvl="3" rtl="0">
-              <a:spcBef>
-                <a:spcPts val="0"/>
-              </a:spcBef>
-              <a:buClr>
-                <a:srgbClr val="FF9800"/>
-              </a:buClr>
-              <a:buSzPct val="100000"/>
-              <a:buNone/>
-              <a:defRPr sz="2000">
-                <a:solidFill>
-                  <a:srgbClr val="FF9800"/>
-                </a:solidFill>
-              </a:defRPr>
-            </a:lvl4pPr>
-            <a:lvl5pPr lvl="4" rtl="0">
-              <a:spcBef>
-                <a:spcPts val="0"/>
-              </a:spcBef>
-              <a:buClr>
-                <a:srgbClr val="FF9800"/>
-              </a:buClr>
-              <a:buSzPct val="100000"/>
-              <a:buNone/>
-              <a:defRPr sz="2000">
-                <a:solidFill>
-                  <a:srgbClr val="FF9800"/>
-                </a:solidFill>
-              </a:defRPr>
-            </a:lvl5pPr>
-            <a:lvl6pPr lvl="5" rtl="0">
-              <a:spcBef>
-                <a:spcPts val="0"/>
-              </a:spcBef>
-              <a:buClr>
-                <a:srgbClr val="FF9800"/>
-              </a:buClr>
-              <a:buSzPct val="100000"/>
-              <a:buNone/>
-              <a:defRPr sz="2000">
-                <a:solidFill>
-                  <a:srgbClr val="FF9800"/>
-                </a:solidFill>
-              </a:defRPr>
-            </a:lvl6pPr>
-            <a:lvl7pPr lvl="6" rtl="0">
-              <a:spcBef>
-                <a:spcPts val="0"/>
-              </a:spcBef>
-              <a:buClr>
-                <a:srgbClr val="FF9800"/>
-              </a:buClr>
-              <a:buSzPct val="100000"/>
-              <a:buNone/>
-              <a:defRPr sz="2000">
-                <a:solidFill>
-                  <a:srgbClr val="FF9800"/>
-                </a:solidFill>
-              </a:defRPr>
-            </a:lvl7pPr>
-            <a:lvl8pPr lvl="7" rtl="0">
-              <a:spcBef>
-                <a:spcPts val="0"/>
-              </a:spcBef>
-              <a:buClr>
-                <a:srgbClr val="FF9800"/>
-              </a:buClr>
-              <a:buSzPct val="100000"/>
-              <a:buNone/>
-              <a:defRPr sz="2000">
-                <a:solidFill>
-                  <a:srgbClr val="FF9800"/>
-                </a:solidFill>
-              </a:defRPr>
-            </a:lvl8pPr>
-            <a:lvl9pPr lvl="8" rtl="0">
-              <a:spcBef>
-                <a:spcPts val="0"/>
-              </a:spcBef>
-              <a:buClr>
-                <a:srgbClr val="FF9800"/>
-              </a:buClr>
-              <a:buSzPct val="100000"/>
-              <a:buNone/>
-              <a:defRPr sz="2000">
-                <a:solidFill>
-                  <a:srgbClr val="FF9800"/>
-                </a:solidFill>
-              </a:defRPr>
-            </a:lvl9pPr>
-          </a:lstStyle>
-          <a:p>
-            <a:endParaRPr/>
-          </a:p>
-        </p:txBody>
-      </p:sp>
-      <p:sp>
-        <p:nvSpPr>
-          <p:cNvPr id="41" name="Shape 41"/>
-          <p:cNvSpPr txBox="1">
-            <a:spLocks noGrp="1"/>
-          </p:cNvSpPr>
-          <p:nvPr>
-            <p:ph type="sldNum" idx="12"/>
-          </p:nvPr>
-        </p:nvSpPr>
-        <p:spPr>
-          <a:xfrm>
-            <a:off x="7618000" y="4636500"/>
-            <a:ext cx="1487400" cy="315600"/>
-          </a:xfrm>
-          <a:prstGeom prst="rect">
-            <a:avLst/>
-          </a:prstGeom>
-        </p:spPr>
-        <p:txBody>
-          <a:bodyPr wrap="square" lIns="91425" tIns="91425" rIns="91425" bIns="91425" anchor="ctr" anchorCtr="0">
-            <a:noAutofit/>
-          </a:bodyPr>
-          <a:lstStyle/>
-          <a:p>
-            <a:pPr lvl="0">
-              <a:spcBef>
-                <a:spcPts val="0"/>
-              </a:spcBef>
-              <a:buNone/>
-            </a:pPr>
-            <a:fld id="{00000000-1234-1234-1234-123412341234}" type="slidenum">
-              <a:rPr lang="en"/>
-              <a:t>‹Nr.›</a:t>
-            </a:fld>
-            <a:endParaRPr lang="en"/>
-          </a:p>
-        </p:txBody>
-      </p:sp>
-    </p:spTree>
-  </p:cSld>
-  <p:clrMapOvr>
-    <a:masterClrMapping/>
-  </p:clrMapOvr>
-</p:sldLayout>
-</file>
-
-<file path=ppt/slideLayouts/slideLayout2.xml><?xml version="1.0" encoding="utf-8"?>
 <p:sldLayout xmlns:a="http://schemas.openxmlformats.org/drawingml/2006/main" xmlns:r="http://schemas.openxmlformats.org/officeDocument/2006/relationships" xmlns:p="http://schemas.openxmlformats.org/presentationml/2006/main" type="tx">
   <p:cSld name="Title + 1 column">
     <p:spTree>
@@ -2869,7 +1916,7 @@
 </p:sldLayout>
 </file>
 
-<file path=ppt/slideLayouts/slideLayout3.xml><?xml version="1.0" encoding="utf-8"?>
+<file path=ppt/slideLayouts/slideLayout2.xml><?xml version="1.0" encoding="utf-8"?>
 <p:sldLayout xmlns:a="http://schemas.openxmlformats.org/drawingml/2006/main" xmlns:r="http://schemas.openxmlformats.org/officeDocument/2006/relationships" xmlns:p="http://schemas.openxmlformats.org/presentationml/2006/main" type="titleOnly">
   <p:cSld name="Title only">
     <p:spTree>
@@ -3509,7 +2556,7 @@
 </p:sldLayout>
 </file>
 
-<file path=ppt/slideLayouts/slideLayout4.xml><?xml version="1.0" encoding="utf-8"?>
+<file path=ppt/slideLayouts/slideLayout3.xml><?xml version="1.0" encoding="utf-8"?>
 <p:sldLayout xmlns:a="http://schemas.openxmlformats.org/drawingml/2006/main" xmlns:r="http://schemas.openxmlformats.org/officeDocument/2006/relationships" xmlns:p="http://schemas.openxmlformats.org/presentationml/2006/main" type="blank">
   <p:cSld name="Blank">
     <p:spTree>
@@ -4042,7 +3089,7 @@
 </p:sldLayout>
 </file>
 
-<file path=ppt/slideLayouts/slideLayout5.xml><?xml version="1.0" encoding="utf-8"?>
+<file path=ppt/slideLayouts/slideLayout4.xml><?xml version="1.0" encoding="utf-8"?>
 <p:sldLayout xmlns:a="http://schemas.openxmlformats.org/drawingml/2006/main" xmlns:r="http://schemas.openxmlformats.org/officeDocument/2006/relationships" xmlns:p="http://schemas.openxmlformats.org/presentationml/2006/main" type="twoColTx">
   <p:cSld name="Title + 2 columns">
     <p:spTree>
@@ -5403,11 +4450,10 @@
   </p:cSld>
   <p:clrMap bg1="lt1" tx1="dk1" bg2="dk2" tx2="lt2" accent1="accent1" accent2="accent2" accent3="accent3" accent4="accent4" accent5="accent5" accent6="accent6" hlink="hlink" folHlink="folHlink"/>
   <p:sldLayoutIdLst>
-    <p:sldLayoutId id="2147483649" r:id="rId1"/>
-    <p:sldLayoutId id="2147483651" r:id="rId2"/>
-    <p:sldLayoutId id="2147483658" r:id="rId3"/>
-    <p:sldLayoutId id="2147483659" r:id="rId4"/>
-    <p:sldLayoutId id="2147483660" r:id="rId5"/>
+    <p:sldLayoutId id="2147483651" r:id="rId1"/>
+    <p:sldLayoutId id="2147483658" r:id="rId2"/>
+    <p:sldLayoutId id="2147483659" r:id="rId3"/>
+    <p:sldLayoutId id="2147483660" r:id="rId4"/>
   </p:sldLayoutIdLst>
   <p:transition>
     <p:fade thruBlk="1"/>
@@ -5861,194 +4907,6 @@
   <p:cSld>
     <p:spTree>
       <p:nvGrpSpPr>
-        <p:cNvPr id="1" name="Shape 220"/>
-        <p:cNvGrpSpPr/>
-        <p:nvPr/>
-      </p:nvGrpSpPr>
-      <p:grpSpPr>
-        <a:xfrm>
-          <a:off x="0" y="0"/>
-          <a:ext cx="0" cy="0"/>
-          <a:chOff x="0" y="0"/>
-          <a:chExt cx="0" cy="0"/>
-        </a:xfrm>
-      </p:grpSpPr>
-      <p:sp>
-        <p:nvSpPr>
-          <p:cNvPr id="221" name="Shape 221"/>
-          <p:cNvSpPr txBox="1">
-            <a:spLocks noGrp="1"/>
-          </p:cNvSpPr>
-          <p:nvPr>
-            <p:ph type="ctrTitle"/>
-          </p:nvPr>
-        </p:nvSpPr>
-        <p:spPr>
-          <a:xfrm>
-            <a:off x="463525" y="2871148"/>
-            <a:ext cx="4094400" cy="1159800"/>
-          </a:xfrm>
-          <a:prstGeom prst="rect">
-            <a:avLst/>
-          </a:prstGeom>
-        </p:spPr>
-        <p:txBody>
-          <a:bodyPr wrap="square" lIns="91425" tIns="91425" rIns="91425" bIns="91425" anchor="b" anchorCtr="0">
-            <a:noAutofit/>
-          </a:bodyPr>
-          <a:lstStyle/>
-          <a:p>
-            <a:pPr lvl="0" rtl="0">
-              <a:spcBef>
-                <a:spcPts val="0"/>
-              </a:spcBef>
-              <a:buNone/>
-            </a:pPr>
-            <a:r>
-              <a:rPr lang="de-DE" dirty="0"/>
-              <a:t>MACHINE LEARNING</a:t>
-            </a:r>
-            <a:endParaRPr lang="en" dirty="0"/>
-          </a:p>
-        </p:txBody>
-      </p:sp>
-      <p:sp>
-        <p:nvSpPr>
-          <p:cNvPr id="222" name="Shape 222"/>
-          <p:cNvSpPr txBox="1">
-            <a:spLocks noGrp="1"/>
-          </p:cNvSpPr>
-          <p:nvPr>
-            <p:ph type="subTitle" idx="1"/>
-          </p:nvPr>
-        </p:nvSpPr>
-        <p:spPr>
-          <a:xfrm>
-            <a:off x="463525" y="3975449"/>
-            <a:ext cx="4094400" cy="784800"/>
-          </a:xfrm>
-          <a:prstGeom prst="rect">
-            <a:avLst/>
-          </a:prstGeom>
-        </p:spPr>
-        <p:txBody>
-          <a:bodyPr wrap="square" lIns="91425" tIns="91425" rIns="91425" bIns="91425" anchor="t" anchorCtr="0">
-            <a:noAutofit/>
-          </a:bodyPr>
-          <a:lstStyle/>
-          <a:p>
-            <a:pPr lvl="0" rtl="0">
-              <a:spcBef>
-                <a:spcPts val="0"/>
-              </a:spcBef>
-              <a:buNone/>
-            </a:pPr>
-            <a:r>
-              <a:rPr lang="de-DE" dirty="0" err="1"/>
-              <a:t>Overview</a:t>
-            </a:r>
-            <a:endParaRPr lang="en" dirty="0"/>
-          </a:p>
-        </p:txBody>
-      </p:sp>
-      <p:sp>
-        <p:nvSpPr>
-          <p:cNvPr id="223" name="Shape 223"/>
-          <p:cNvSpPr txBox="1">
-            <a:spLocks noGrp="1"/>
-          </p:cNvSpPr>
-          <p:nvPr>
-            <p:ph type="sldNum" idx="12"/>
-          </p:nvPr>
-        </p:nvSpPr>
-        <p:spPr>
-          <a:xfrm>
-            <a:off x="7618000" y="4636500"/>
-            <a:ext cx="1487400" cy="315600"/>
-          </a:xfrm>
-          <a:prstGeom prst="rect">
-            <a:avLst/>
-          </a:prstGeom>
-        </p:spPr>
-        <p:txBody>
-          <a:bodyPr wrap="square" lIns="91425" tIns="91425" rIns="91425" bIns="91425" anchor="ctr" anchorCtr="0">
-            <a:noAutofit/>
-          </a:bodyPr>
-          <a:lstStyle/>
-          <a:p>
-            <a:pPr lvl="0">
-              <a:spcBef>
-                <a:spcPts val="0"/>
-              </a:spcBef>
-              <a:buNone/>
-            </a:pPr>
-            <a:fld id="{00000000-1234-1234-1234-123412341234}" type="slidenum">
-              <a:rPr lang="en"/>
-              <a:t>1</a:t>
-            </a:fld>
-            <a:endParaRPr lang="en"/>
-          </a:p>
-        </p:txBody>
-      </p:sp>
-      <p:sp>
-        <p:nvSpPr>
-          <p:cNvPr id="224" name="Shape 224"/>
-          <p:cNvSpPr txBox="1"/>
-          <p:nvPr/>
-        </p:nvSpPr>
-        <p:spPr>
-          <a:xfrm>
-            <a:off x="463525" y="0"/>
-            <a:ext cx="2181600" cy="3136200"/>
-          </a:xfrm>
-          <a:prstGeom prst="rect">
-            <a:avLst/>
-          </a:prstGeom>
-          <a:noFill/>
-          <a:ln>
-            <a:noFill/>
-          </a:ln>
-        </p:spPr>
-        <p:txBody>
-          <a:bodyPr wrap="square" lIns="91425" tIns="91425" rIns="91425" bIns="91425" anchor="b" anchorCtr="0">
-            <a:noAutofit/>
-          </a:bodyPr>
-          <a:lstStyle/>
-          <a:p>
-            <a:pPr lvl="0">
-              <a:spcBef>
-                <a:spcPts val="0"/>
-              </a:spcBef>
-              <a:buNone/>
-            </a:pPr>
-            <a:r>
-              <a:rPr lang="en" sz="12000" b="1" dirty="0">
-                <a:solidFill>
-                  <a:srgbClr val="3F5378"/>
-                </a:solidFill>
-                <a:latin typeface="Roboto Condensed"/>
-                <a:ea typeface="Roboto Condensed"/>
-                <a:cs typeface="Roboto Condensed"/>
-                <a:sym typeface="Roboto Condensed"/>
-              </a:rPr>
-              <a:t>1</a:t>
-            </a:r>
-          </a:p>
-        </p:txBody>
-      </p:sp>
-    </p:spTree>
-  </p:cSld>
-  <p:clrMapOvr>
-    <a:masterClrMapping/>
-  </p:clrMapOvr>
-</p:sld>
-</file>
-
-<file path=ppt/slides/slide2.xml><?xml version="1.0" encoding="utf-8"?>
-<p:sld xmlns:a="http://schemas.openxmlformats.org/drawingml/2006/main" xmlns:r="http://schemas.openxmlformats.org/officeDocument/2006/relationships" xmlns:p="http://schemas.openxmlformats.org/presentationml/2006/main">
-  <p:cSld>
-    <p:spTree>
-      <p:nvGrpSpPr>
         <p:cNvPr id="1" name="Shape 247"/>
         <p:cNvGrpSpPr/>
         <p:nvPr/>
@@ -9719,7 +8577,7 @@
             </a:pPr>
             <a:fld id="{00000000-1234-1234-1234-123412341234}" type="slidenum">
               <a:rPr lang="en"/>
-              <a:t>2</a:t>
+              <a:t>1</a:t>
             </a:fld>
             <a:endParaRPr lang="en"/>
           </a:p>
@@ -9738,7 +8596,7 @@
 </p:sld>
 </file>
 
-<file path=ppt/slides/slide3.xml><?xml version="1.0" encoding="utf-8"?>
+<file path=ppt/slides/slide2.xml><?xml version="1.0" encoding="utf-8"?>
 <p:sld xmlns:a="http://schemas.openxmlformats.org/drawingml/2006/main" xmlns:r="http://schemas.openxmlformats.org/officeDocument/2006/relationships" xmlns:p="http://schemas.openxmlformats.org/presentationml/2006/main">
   <p:cSld>
     <p:spTree>
@@ -9930,7 +8788,7 @@
             </a:pPr>
             <a:fld id="{00000000-1234-1234-1234-123412341234}" type="slidenum">
               <a:rPr lang="en"/>
-              <a:t>3</a:t>
+              <a:t>2</a:t>
             </a:fld>
             <a:endParaRPr lang="en"/>
           </a:p>
@@ -9944,7 +8802,7 @@
 </p:sld>
 </file>
 
-<file path=ppt/slides/slide4.xml><?xml version="1.0" encoding="utf-8"?>
+<file path=ppt/slides/slide3.xml><?xml version="1.0" encoding="utf-8"?>
 <p:sld xmlns:a="http://schemas.openxmlformats.org/drawingml/2006/main" xmlns:r="http://schemas.openxmlformats.org/officeDocument/2006/relationships" xmlns:p="http://schemas.openxmlformats.org/presentationml/2006/main">
   <p:cSld>
     <p:spTree>
@@ -10148,7 +9006,7 @@
             </a:pPr>
             <a:fld id="{00000000-1234-1234-1234-123412341234}" type="slidenum">
               <a:rPr lang="en"/>
-              <a:t>4</a:t>
+              <a:t>3</a:t>
             </a:fld>
             <a:endParaRPr lang="en"/>
           </a:p>
@@ -10167,7 +9025,7 @@
 </p:sld>
 </file>
 
-<file path=ppt/slides/slide5.xml><?xml version="1.0" encoding="utf-8"?>
+<file path=ppt/slides/slide4.xml><?xml version="1.0" encoding="utf-8"?>
 <p:sld xmlns:a="http://schemas.openxmlformats.org/drawingml/2006/main" xmlns:r="http://schemas.openxmlformats.org/officeDocument/2006/relationships" xmlns:p="http://schemas.openxmlformats.org/presentationml/2006/main">
   <p:cSld>
     <p:spTree>
@@ -10667,7 +9525,7 @@
             </a:pPr>
             <a:fld id="{00000000-1234-1234-1234-123412341234}" type="slidenum">
               <a:rPr lang="en"/>
-              <a:t>5</a:t>
+              <a:t>4</a:t>
             </a:fld>
             <a:endParaRPr lang="en"/>
           </a:p>
@@ -11501,3662 +10359,7 @@
 </p:sld>
 </file>
 
-<file path=ppt/slides/slide6.xml><?xml version="1.0" encoding="utf-8"?>
-<p:sld xmlns:a="http://schemas.openxmlformats.org/drawingml/2006/main" xmlns:r="http://schemas.openxmlformats.org/officeDocument/2006/relationships" xmlns:p="http://schemas.openxmlformats.org/presentationml/2006/main">
-  <p:cSld>
-    <p:spTree>
-      <p:nvGrpSpPr>
-        <p:cNvPr id="1" name="Shape 247"/>
-        <p:cNvGrpSpPr/>
-        <p:nvPr/>
-      </p:nvGrpSpPr>
-      <p:grpSpPr>
-        <a:xfrm>
-          <a:off x="0" y="0"/>
-          <a:ext cx="0" cy="0"/>
-          <a:chOff x="0" y="0"/>
-          <a:chExt cx="0" cy="0"/>
-        </a:xfrm>
-      </p:grpSpPr>
-      <p:sp>
-        <p:nvSpPr>
-          <p:cNvPr id="248" name="Shape 248"/>
-          <p:cNvSpPr txBox="1">
-            <a:spLocks noGrp="1"/>
-          </p:cNvSpPr>
-          <p:nvPr>
-            <p:ph type="ctrTitle" idx="4294967295"/>
-          </p:nvPr>
-        </p:nvSpPr>
-        <p:spPr>
-          <a:xfrm>
-            <a:off x="685800" y="2269150"/>
-            <a:ext cx="5567700" cy="1159800"/>
-          </a:xfrm>
-          <a:prstGeom prst="rect">
-            <a:avLst/>
-          </a:prstGeom>
-        </p:spPr>
-        <p:txBody>
-          <a:bodyPr wrap="square" lIns="91425" tIns="91425" rIns="91425" bIns="91425" anchor="ctr" anchorCtr="0">
-            <a:noAutofit/>
-          </a:bodyPr>
-          <a:lstStyle/>
-          <a:p>
-            <a:pPr lvl="0" rtl="0">
-              <a:spcBef>
-                <a:spcPts val="0"/>
-              </a:spcBef>
-              <a:buNone/>
-            </a:pPr>
-            <a:r>
-              <a:rPr lang="de-DE" sz="7200" dirty="0">
-                <a:solidFill>
-                  <a:srgbClr val="FF9800"/>
-                </a:solidFill>
-              </a:rPr>
-              <a:t>SUPERVISED</a:t>
-            </a:r>
-            <a:br>
-              <a:rPr lang="de-DE" sz="7200" dirty="0">
-                <a:solidFill>
-                  <a:srgbClr val="FF9800"/>
-                </a:solidFill>
-              </a:rPr>
-            </a:br>
-            <a:r>
-              <a:rPr lang="de-DE" sz="7200" dirty="0">
-                <a:solidFill>
-                  <a:srgbClr val="FF9800"/>
-                </a:solidFill>
-              </a:rPr>
-              <a:t>LEARNING</a:t>
-            </a:r>
-            <a:endParaRPr lang="en" sz="7200" dirty="0">
-              <a:solidFill>
-                <a:srgbClr val="FF9800"/>
-              </a:solidFill>
-            </a:endParaRPr>
-          </a:p>
-        </p:txBody>
-      </p:sp>
-      <p:grpSp>
-        <p:nvGrpSpPr>
-          <p:cNvPr id="250" name="Shape 250"/>
-          <p:cNvGrpSpPr/>
-          <p:nvPr/>
-        </p:nvGrpSpPr>
-        <p:grpSpPr>
-          <a:xfrm>
-            <a:off x="6682481" y="378837"/>
-            <a:ext cx="1588639" cy="1588655"/>
-            <a:chOff x="6643075" y="3664250"/>
-            <a:chExt cx="407950" cy="407975"/>
-          </a:xfrm>
-        </p:grpSpPr>
-        <p:sp>
-          <p:nvSpPr>
-            <p:cNvPr id="251" name="Shape 251"/>
-            <p:cNvSpPr/>
-            <p:nvPr/>
-          </p:nvSpPr>
-          <p:spPr>
-            <a:xfrm>
-              <a:off x="6794075" y="3815250"/>
-              <a:ext cx="211300" cy="211300"/>
-            </a:xfrm>
-            <a:custGeom>
-              <a:avLst/>
-              <a:gdLst/>
-              <a:ahLst/>
-              <a:cxnLst/>
-              <a:rect l="0" t="0" r="0" b="0"/>
-              <a:pathLst>
-                <a:path w="8452" h="8452" fill="none" extrusionOk="0">
-                  <a:moveTo>
-                    <a:pt x="0" y="8135"/>
-                  </a:moveTo>
-                  <a:lnTo>
-                    <a:pt x="0" y="8135"/>
-                  </a:lnTo>
-                  <a:lnTo>
-                    <a:pt x="438" y="8257"/>
-                  </a:lnTo>
-                  <a:lnTo>
-                    <a:pt x="852" y="8354"/>
-                  </a:lnTo>
-                  <a:lnTo>
-                    <a:pt x="1291" y="8403"/>
-                  </a:lnTo>
-                  <a:lnTo>
-                    <a:pt x="1729" y="8452"/>
-                  </a:lnTo>
-                  <a:lnTo>
-                    <a:pt x="2168" y="8452"/>
-                  </a:lnTo>
-                  <a:lnTo>
-                    <a:pt x="2606" y="8427"/>
-                  </a:lnTo>
-                  <a:lnTo>
-                    <a:pt x="3020" y="8378"/>
-                  </a:lnTo>
-                  <a:lnTo>
-                    <a:pt x="3458" y="8281"/>
-                  </a:lnTo>
-                  <a:lnTo>
-                    <a:pt x="3872" y="8184"/>
-                  </a:lnTo>
-                  <a:lnTo>
-                    <a:pt x="4311" y="8037"/>
-                  </a:lnTo>
-                  <a:lnTo>
-                    <a:pt x="4701" y="7867"/>
-                  </a:lnTo>
-                  <a:lnTo>
-                    <a:pt x="5115" y="7672"/>
-                  </a:lnTo>
-                  <a:lnTo>
-                    <a:pt x="5504" y="7429"/>
-                  </a:lnTo>
-                  <a:lnTo>
-                    <a:pt x="5870" y="7185"/>
-                  </a:lnTo>
-                  <a:lnTo>
-                    <a:pt x="6235" y="6893"/>
-                  </a:lnTo>
-                  <a:lnTo>
-                    <a:pt x="6576" y="6576"/>
-                  </a:lnTo>
-                  <a:lnTo>
-                    <a:pt x="6576" y="6576"/>
-                  </a:lnTo>
-                  <a:lnTo>
-                    <a:pt x="6892" y="6235"/>
-                  </a:lnTo>
-                  <a:lnTo>
-                    <a:pt x="7185" y="5870"/>
-                  </a:lnTo>
-                  <a:lnTo>
-                    <a:pt x="7428" y="5505"/>
-                  </a:lnTo>
-                  <a:lnTo>
-                    <a:pt x="7672" y="5115"/>
-                  </a:lnTo>
-                  <a:lnTo>
-                    <a:pt x="7867" y="4701"/>
-                  </a:lnTo>
-                  <a:lnTo>
-                    <a:pt x="8037" y="4311"/>
-                  </a:lnTo>
-                  <a:lnTo>
-                    <a:pt x="8183" y="3873"/>
-                  </a:lnTo>
-                  <a:lnTo>
-                    <a:pt x="8281" y="3459"/>
-                  </a:lnTo>
-                  <a:lnTo>
-                    <a:pt x="8378" y="3020"/>
-                  </a:lnTo>
-                  <a:lnTo>
-                    <a:pt x="8427" y="2606"/>
-                  </a:lnTo>
-                  <a:lnTo>
-                    <a:pt x="8451" y="2168"/>
-                  </a:lnTo>
-                  <a:lnTo>
-                    <a:pt x="8451" y="1730"/>
-                  </a:lnTo>
-                  <a:lnTo>
-                    <a:pt x="8402" y="1291"/>
-                  </a:lnTo>
-                  <a:lnTo>
-                    <a:pt x="8354" y="853"/>
-                  </a:lnTo>
-                  <a:lnTo>
-                    <a:pt x="8256" y="439"/>
-                  </a:lnTo>
-                  <a:lnTo>
-                    <a:pt x="8135" y="0"/>
-                  </a:lnTo>
-                </a:path>
-              </a:pathLst>
-            </a:custGeom>
-            <a:noFill/>
-            <a:ln w="19050" cap="rnd" cmpd="sng">
-              <a:solidFill>
-                <a:srgbClr val="C7D3E6"/>
-              </a:solidFill>
-              <a:prstDash val="solid"/>
-              <a:round/>
-              <a:headEnd type="none" w="med" len="med"/>
-              <a:tailEnd type="none" w="med" len="med"/>
-            </a:ln>
-          </p:spPr>
-          <p:txBody>
-            <a:bodyPr wrap="square" lIns="91425" tIns="91425" rIns="91425" bIns="91425" anchor="ctr" anchorCtr="0">
-              <a:noAutofit/>
-            </a:bodyPr>
-            <a:lstStyle/>
-            <a:p>
-              <a:pPr lvl="0">
-                <a:spcBef>
-                  <a:spcPts val="0"/>
-                </a:spcBef>
-                <a:buNone/>
-              </a:pPr>
-              <a:endParaRPr/>
-            </a:p>
-          </p:txBody>
-        </p:sp>
-        <p:sp>
-          <p:nvSpPr>
-            <p:cNvPr id="252" name="Shape 252"/>
-            <p:cNvSpPr/>
-            <p:nvPr/>
-          </p:nvSpPr>
-          <p:spPr>
-            <a:xfrm>
-              <a:off x="6643075" y="3664250"/>
-              <a:ext cx="407950" cy="407975"/>
-            </a:xfrm>
-            <a:custGeom>
-              <a:avLst/>
-              <a:gdLst/>
-              <a:ahLst/>
-              <a:cxnLst/>
-              <a:rect l="0" t="0" r="0" b="0"/>
-              <a:pathLst>
-                <a:path w="16318" h="16319" fill="none" extrusionOk="0">
-                  <a:moveTo>
-                    <a:pt x="16074" y="244"/>
-                  </a:moveTo>
-                  <a:lnTo>
-                    <a:pt x="16074" y="244"/>
-                  </a:lnTo>
-                  <a:lnTo>
-                    <a:pt x="15928" y="122"/>
-                  </a:lnTo>
-                  <a:lnTo>
-                    <a:pt x="15758" y="49"/>
-                  </a:lnTo>
-                  <a:lnTo>
-                    <a:pt x="15538" y="0"/>
-                  </a:lnTo>
-                  <a:lnTo>
-                    <a:pt x="15319" y="0"/>
-                  </a:lnTo>
-                  <a:lnTo>
-                    <a:pt x="15051" y="25"/>
-                  </a:lnTo>
-                  <a:lnTo>
-                    <a:pt x="14759" y="73"/>
-                  </a:lnTo>
-                  <a:lnTo>
-                    <a:pt x="14442" y="171"/>
-                  </a:lnTo>
-                  <a:lnTo>
-                    <a:pt x="14102" y="293"/>
-                  </a:lnTo>
-                  <a:lnTo>
-                    <a:pt x="13736" y="439"/>
-                  </a:lnTo>
-                  <a:lnTo>
-                    <a:pt x="13347" y="609"/>
-                  </a:lnTo>
-                  <a:lnTo>
-                    <a:pt x="12957" y="828"/>
-                  </a:lnTo>
-                  <a:lnTo>
-                    <a:pt x="12543" y="1048"/>
-                  </a:lnTo>
-                  <a:lnTo>
-                    <a:pt x="11666" y="1608"/>
-                  </a:lnTo>
-                  <a:lnTo>
-                    <a:pt x="10716" y="2265"/>
-                  </a:lnTo>
-                  <a:lnTo>
-                    <a:pt x="10716" y="2265"/>
-                  </a:lnTo>
-                  <a:lnTo>
-                    <a:pt x="10278" y="2095"/>
-                  </a:lnTo>
-                  <a:lnTo>
-                    <a:pt x="9815" y="1949"/>
-                  </a:lnTo>
-                  <a:lnTo>
-                    <a:pt x="9352" y="1851"/>
-                  </a:lnTo>
-                  <a:lnTo>
-                    <a:pt x="8890" y="1778"/>
-                  </a:lnTo>
-                  <a:lnTo>
-                    <a:pt x="8427" y="1730"/>
-                  </a:lnTo>
-                  <a:lnTo>
-                    <a:pt x="7940" y="1730"/>
-                  </a:lnTo>
-                  <a:lnTo>
-                    <a:pt x="7477" y="1778"/>
-                  </a:lnTo>
-                  <a:lnTo>
-                    <a:pt x="7014" y="1827"/>
-                  </a:lnTo>
-                  <a:lnTo>
-                    <a:pt x="6551" y="1924"/>
-                  </a:lnTo>
-                  <a:lnTo>
-                    <a:pt x="6089" y="2070"/>
-                  </a:lnTo>
-                  <a:lnTo>
-                    <a:pt x="5650" y="2241"/>
-                  </a:lnTo>
-                  <a:lnTo>
-                    <a:pt x="5212" y="2436"/>
-                  </a:lnTo>
-                  <a:lnTo>
-                    <a:pt x="4774" y="2679"/>
-                  </a:lnTo>
-                  <a:lnTo>
-                    <a:pt x="4384" y="2972"/>
-                  </a:lnTo>
-                  <a:lnTo>
-                    <a:pt x="3994" y="3264"/>
-                  </a:lnTo>
-                  <a:lnTo>
-                    <a:pt x="3605" y="3605"/>
-                  </a:lnTo>
-                  <a:lnTo>
-                    <a:pt x="3605" y="3605"/>
-                  </a:lnTo>
-                  <a:lnTo>
-                    <a:pt x="3264" y="3995"/>
-                  </a:lnTo>
-                  <a:lnTo>
-                    <a:pt x="2971" y="4384"/>
-                  </a:lnTo>
-                  <a:lnTo>
-                    <a:pt x="2679" y="4774"/>
-                  </a:lnTo>
-                  <a:lnTo>
-                    <a:pt x="2436" y="5212"/>
-                  </a:lnTo>
-                  <a:lnTo>
-                    <a:pt x="2241" y="5651"/>
-                  </a:lnTo>
-                  <a:lnTo>
-                    <a:pt x="2070" y="6089"/>
-                  </a:lnTo>
-                  <a:lnTo>
-                    <a:pt x="1924" y="6552"/>
-                  </a:lnTo>
-                  <a:lnTo>
-                    <a:pt x="1827" y="7015"/>
-                  </a:lnTo>
-                  <a:lnTo>
-                    <a:pt x="1778" y="7477"/>
-                  </a:lnTo>
-                  <a:lnTo>
-                    <a:pt x="1729" y="7940"/>
-                  </a:lnTo>
-                  <a:lnTo>
-                    <a:pt x="1729" y="8427"/>
-                  </a:lnTo>
-                  <a:lnTo>
-                    <a:pt x="1778" y="8890"/>
-                  </a:lnTo>
-                  <a:lnTo>
-                    <a:pt x="1851" y="9353"/>
-                  </a:lnTo>
-                  <a:lnTo>
-                    <a:pt x="1948" y="9815"/>
-                  </a:lnTo>
-                  <a:lnTo>
-                    <a:pt x="2095" y="10278"/>
-                  </a:lnTo>
-                  <a:lnTo>
-                    <a:pt x="2265" y="10716"/>
-                  </a:lnTo>
-                  <a:lnTo>
-                    <a:pt x="2265" y="10716"/>
-                  </a:lnTo>
-                  <a:lnTo>
-                    <a:pt x="1607" y="11666"/>
-                  </a:lnTo>
-                  <a:lnTo>
-                    <a:pt x="1047" y="12543"/>
-                  </a:lnTo>
-                  <a:lnTo>
-                    <a:pt x="828" y="12957"/>
-                  </a:lnTo>
-                  <a:lnTo>
-                    <a:pt x="609" y="13347"/>
-                  </a:lnTo>
-                  <a:lnTo>
-                    <a:pt x="438" y="13737"/>
-                  </a:lnTo>
-                  <a:lnTo>
-                    <a:pt x="292" y="14102"/>
-                  </a:lnTo>
-                  <a:lnTo>
-                    <a:pt x="170" y="14443"/>
-                  </a:lnTo>
-                  <a:lnTo>
-                    <a:pt x="73" y="14759"/>
-                  </a:lnTo>
-                  <a:lnTo>
-                    <a:pt x="24" y="15052"/>
-                  </a:lnTo>
-                  <a:lnTo>
-                    <a:pt x="0" y="15320"/>
-                  </a:lnTo>
-                  <a:lnTo>
-                    <a:pt x="0" y="15539"/>
-                  </a:lnTo>
-                  <a:lnTo>
-                    <a:pt x="49" y="15758"/>
-                  </a:lnTo>
-                  <a:lnTo>
-                    <a:pt x="122" y="15928"/>
-                  </a:lnTo>
-                  <a:lnTo>
-                    <a:pt x="244" y="16075"/>
-                  </a:lnTo>
-                  <a:lnTo>
-                    <a:pt x="244" y="16075"/>
-                  </a:lnTo>
-                  <a:lnTo>
-                    <a:pt x="341" y="16172"/>
-                  </a:lnTo>
-                  <a:lnTo>
-                    <a:pt x="487" y="16245"/>
-                  </a:lnTo>
-                  <a:lnTo>
-                    <a:pt x="633" y="16294"/>
-                  </a:lnTo>
-                  <a:lnTo>
-                    <a:pt x="804" y="16318"/>
-                  </a:lnTo>
-                  <a:lnTo>
-                    <a:pt x="974" y="16318"/>
-                  </a:lnTo>
-                  <a:lnTo>
-                    <a:pt x="1169" y="16318"/>
-                  </a:lnTo>
-                  <a:lnTo>
-                    <a:pt x="1388" y="16269"/>
-                  </a:lnTo>
-                  <a:lnTo>
-                    <a:pt x="1632" y="16221"/>
-                  </a:lnTo>
-                  <a:lnTo>
-                    <a:pt x="2143" y="16075"/>
-                  </a:lnTo>
-                  <a:lnTo>
-                    <a:pt x="2703" y="15831"/>
-                  </a:lnTo>
-                  <a:lnTo>
-                    <a:pt x="3312" y="15539"/>
-                  </a:lnTo>
-                  <a:lnTo>
-                    <a:pt x="3946" y="15149"/>
-                  </a:lnTo>
-                  <a:lnTo>
-                    <a:pt x="4652" y="14711"/>
-                  </a:lnTo>
-                  <a:lnTo>
-                    <a:pt x="5358" y="14224"/>
-                  </a:lnTo>
-                  <a:lnTo>
-                    <a:pt x="6113" y="13663"/>
-                  </a:lnTo>
-                  <a:lnTo>
-                    <a:pt x="6892" y="13055"/>
-                  </a:lnTo>
-                  <a:lnTo>
-                    <a:pt x="7696" y="12397"/>
-                  </a:lnTo>
-                  <a:lnTo>
-                    <a:pt x="8500" y="11691"/>
-                  </a:lnTo>
-                  <a:lnTo>
-                    <a:pt x="9304" y="10936"/>
-                  </a:lnTo>
-                  <a:lnTo>
-                    <a:pt x="10132" y="10132"/>
-                  </a:lnTo>
-                  <a:lnTo>
-                    <a:pt x="10132" y="10132"/>
-                  </a:lnTo>
-                  <a:lnTo>
-                    <a:pt x="10935" y="9304"/>
-                  </a:lnTo>
-                  <a:lnTo>
-                    <a:pt x="11690" y="8500"/>
-                  </a:lnTo>
-                  <a:lnTo>
-                    <a:pt x="12397" y="7696"/>
-                  </a:lnTo>
-                  <a:lnTo>
-                    <a:pt x="13054" y="6893"/>
-                  </a:lnTo>
-                  <a:lnTo>
-                    <a:pt x="13663" y="6113"/>
-                  </a:lnTo>
-                  <a:lnTo>
-                    <a:pt x="14223" y="5358"/>
-                  </a:lnTo>
-                  <a:lnTo>
-                    <a:pt x="14710" y="4652"/>
-                  </a:lnTo>
-                  <a:lnTo>
-                    <a:pt x="15149" y="3946"/>
-                  </a:lnTo>
-                  <a:lnTo>
-                    <a:pt x="15538" y="3313"/>
-                  </a:lnTo>
-                  <a:lnTo>
-                    <a:pt x="15831" y="2704"/>
-                  </a:lnTo>
-                  <a:lnTo>
-                    <a:pt x="16074" y="2144"/>
-                  </a:lnTo>
-                  <a:lnTo>
-                    <a:pt x="16220" y="1632"/>
-                  </a:lnTo>
-                  <a:lnTo>
-                    <a:pt x="16269" y="1389"/>
-                  </a:lnTo>
-                  <a:lnTo>
-                    <a:pt x="16318" y="1169"/>
-                  </a:lnTo>
-                  <a:lnTo>
-                    <a:pt x="16318" y="975"/>
-                  </a:lnTo>
-                  <a:lnTo>
-                    <a:pt x="16318" y="804"/>
-                  </a:lnTo>
-                  <a:lnTo>
-                    <a:pt x="16293" y="634"/>
-                  </a:lnTo>
-                  <a:lnTo>
-                    <a:pt x="16245" y="487"/>
-                  </a:lnTo>
-                  <a:lnTo>
-                    <a:pt x="16172" y="341"/>
-                  </a:lnTo>
-                  <a:lnTo>
-                    <a:pt x="16074" y="244"/>
-                  </a:lnTo>
-                  <a:lnTo>
-                    <a:pt x="16074" y="244"/>
-                  </a:lnTo>
-                  <a:close/>
-                  <a:moveTo>
-                    <a:pt x="1827" y="13810"/>
-                  </a:moveTo>
-                  <a:lnTo>
-                    <a:pt x="1827" y="13810"/>
-                  </a:lnTo>
-                  <a:lnTo>
-                    <a:pt x="1754" y="13737"/>
-                  </a:lnTo>
-                  <a:lnTo>
-                    <a:pt x="1729" y="13639"/>
-                  </a:lnTo>
-                  <a:lnTo>
-                    <a:pt x="1681" y="13542"/>
-                  </a:lnTo>
-                  <a:lnTo>
-                    <a:pt x="1681" y="13444"/>
-                  </a:lnTo>
-                  <a:lnTo>
-                    <a:pt x="1681" y="13176"/>
-                  </a:lnTo>
-                  <a:lnTo>
-                    <a:pt x="1754" y="12884"/>
-                  </a:lnTo>
-                  <a:lnTo>
-                    <a:pt x="1875" y="12519"/>
-                  </a:lnTo>
-                  <a:lnTo>
-                    <a:pt x="2046" y="12153"/>
-                  </a:lnTo>
-                  <a:lnTo>
-                    <a:pt x="2265" y="11715"/>
-                  </a:lnTo>
-                  <a:lnTo>
-                    <a:pt x="2533" y="11277"/>
-                  </a:lnTo>
-                  <a:lnTo>
-                    <a:pt x="2533" y="11277"/>
-                  </a:lnTo>
-                  <a:lnTo>
-                    <a:pt x="2752" y="11642"/>
-                  </a:lnTo>
-                  <a:lnTo>
-                    <a:pt x="3020" y="12007"/>
-                  </a:lnTo>
-                  <a:lnTo>
-                    <a:pt x="3288" y="12373"/>
-                  </a:lnTo>
-                  <a:lnTo>
-                    <a:pt x="3605" y="12714"/>
-                  </a:lnTo>
-                  <a:lnTo>
-                    <a:pt x="3605" y="12714"/>
-                  </a:lnTo>
-                  <a:lnTo>
-                    <a:pt x="3897" y="12957"/>
-                  </a:lnTo>
-                  <a:lnTo>
-                    <a:pt x="4165" y="13201"/>
-                  </a:lnTo>
-                  <a:lnTo>
-                    <a:pt x="4165" y="13201"/>
-                  </a:lnTo>
-                  <a:lnTo>
-                    <a:pt x="3751" y="13444"/>
-                  </a:lnTo>
-                  <a:lnTo>
-                    <a:pt x="3361" y="13639"/>
-                  </a:lnTo>
-                  <a:lnTo>
-                    <a:pt x="3020" y="13785"/>
-                  </a:lnTo>
-                  <a:lnTo>
-                    <a:pt x="2679" y="13883"/>
-                  </a:lnTo>
-                  <a:lnTo>
-                    <a:pt x="2411" y="13956"/>
-                  </a:lnTo>
-                  <a:lnTo>
-                    <a:pt x="2168" y="13956"/>
-                  </a:lnTo>
-                  <a:lnTo>
-                    <a:pt x="2070" y="13931"/>
-                  </a:lnTo>
-                  <a:lnTo>
-                    <a:pt x="1973" y="13907"/>
-                  </a:lnTo>
-                  <a:lnTo>
-                    <a:pt x="1900" y="13858"/>
-                  </a:lnTo>
-                  <a:lnTo>
-                    <a:pt x="1827" y="13810"/>
-                  </a:lnTo>
-                  <a:lnTo>
-                    <a:pt x="1827" y="13810"/>
-                  </a:lnTo>
-                  <a:close/>
-                  <a:moveTo>
-                    <a:pt x="8159" y="4482"/>
-                  </a:moveTo>
-                  <a:lnTo>
-                    <a:pt x="8159" y="4482"/>
-                  </a:lnTo>
-                  <a:lnTo>
-                    <a:pt x="8037" y="4482"/>
-                  </a:lnTo>
-                  <a:lnTo>
-                    <a:pt x="7940" y="4433"/>
-                  </a:lnTo>
-                  <a:lnTo>
-                    <a:pt x="7842" y="4384"/>
-                  </a:lnTo>
-                  <a:lnTo>
-                    <a:pt x="7745" y="4311"/>
-                  </a:lnTo>
-                  <a:lnTo>
-                    <a:pt x="7672" y="4238"/>
-                  </a:lnTo>
-                  <a:lnTo>
-                    <a:pt x="7623" y="4141"/>
-                  </a:lnTo>
-                  <a:lnTo>
-                    <a:pt x="7574" y="4019"/>
-                  </a:lnTo>
-                  <a:lnTo>
-                    <a:pt x="7574" y="3897"/>
-                  </a:lnTo>
-                  <a:lnTo>
-                    <a:pt x="7574" y="3897"/>
-                  </a:lnTo>
-                  <a:lnTo>
-                    <a:pt x="7574" y="3775"/>
-                  </a:lnTo>
-                  <a:lnTo>
-                    <a:pt x="7623" y="3678"/>
-                  </a:lnTo>
-                  <a:lnTo>
-                    <a:pt x="7672" y="3580"/>
-                  </a:lnTo>
-                  <a:lnTo>
-                    <a:pt x="7745" y="3483"/>
-                  </a:lnTo>
-                  <a:lnTo>
-                    <a:pt x="7842" y="3410"/>
-                  </a:lnTo>
-                  <a:lnTo>
-                    <a:pt x="7940" y="3361"/>
-                  </a:lnTo>
-                  <a:lnTo>
-                    <a:pt x="8037" y="3337"/>
-                  </a:lnTo>
-                  <a:lnTo>
-                    <a:pt x="8159" y="3313"/>
-                  </a:lnTo>
-                  <a:lnTo>
-                    <a:pt x="8159" y="3313"/>
-                  </a:lnTo>
-                  <a:lnTo>
-                    <a:pt x="8281" y="3337"/>
-                  </a:lnTo>
-                  <a:lnTo>
-                    <a:pt x="8378" y="3361"/>
-                  </a:lnTo>
-                  <a:lnTo>
-                    <a:pt x="8476" y="3410"/>
-                  </a:lnTo>
-                  <a:lnTo>
-                    <a:pt x="8573" y="3483"/>
-                  </a:lnTo>
-                  <a:lnTo>
-                    <a:pt x="8646" y="3580"/>
-                  </a:lnTo>
-                  <a:lnTo>
-                    <a:pt x="8695" y="3678"/>
-                  </a:lnTo>
-                  <a:lnTo>
-                    <a:pt x="8743" y="3775"/>
-                  </a:lnTo>
-                  <a:lnTo>
-                    <a:pt x="8743" y="3897"/>
-                  </a:lnTo>
-                  <a:lnTo>
-                    <a:pt x="8743" y="3897"/>
-                  </a:lnTo>
-                  <a:lnTo>
-                    <a:pt x="8743" y="4019"/>
-                  </a:lnTo>
-                  <a:lnTo>
-                    <a:pt x="8695" y="4141"/>
-                  </a:lnTo>
-                  <a:lnTo>
-                    <a:pt x="8646" y="4238"/>
-                  </a:lnTo>
-                  <a:lnTo>
-                    <a:pt x="8573" y="4311"/>
-                  </a:lnTo>
-                  <a:lnTo>
-                    <a:pt x="8476" y="4384"/>
-                  </a:lnTo>
-                  <a:lnTo>
-                    <a:pt x="8378" y="4433"/>
-                  </a:lnTo>
-                  <a:lnTo>
-                    <a:pt x="8281" y="4482"/>
-                  </a:lnTo>
-                  <a:lnTo>
-                    <a:pt x="8159" y="4482"/>
-                  </a:lnTo>
-                  <a:lnTo>
-                    <a:pt x="8159" y="4482"/>
-                  </a:lnTo>
-                  <a:close/>
-                  <a:moveTo>
-                    <a:pt x="9133" y="5943"/>
-                  </a:moveTo>
-                  <a:lnTo>
-                    <a:pt x="9133" y="5943"/>
-                  </a:lnTo>
-                  <a:lnTo>
-                    <a:pt x="9036" y="5943"/>
-                  </a:lnTo>
-                  <a:lnTo>
-                    <a:pt x="8963" y="5919"/>
-                  </a:lnTo>
-                  <a:lnTo>
-                    <a:pt x="8841" y="5846"/>
-                  </a:lnTo>
-                  <a:lnTo>
-                    <a:pt x="8768" y="5724"/>
-                  </a:lnTo>
-                  <a:lnTo>
-                    <a:pt x="8743" y="5651"/>
-                  </a:lnTo>
-                  <a:lnTo>
-                    <a:pt x="8743" y="5553"/>
-                  </a:lnTo>
-                  <a:lnTo>
-                    <a:pt x="8743" y="5553"/>
-                  </a:lnTo>
-                  <a:lnTo>
-                    <a:pt x="8743" y="5480"/>
-                  </a:lnTo>
-                  <a:lnTo>
-                    <a:pt x="8768" y="5407"/>
-                  </a:lnTo>
-                  <a:lnTo>
-                    <a:pt x="8841" y="5285"/>
-                  </a:lnTo>
-                  <a:lnTo>
-                    <a:pt x="8963" y="5212"/>
-                  </a:lnTo>
-                  <a:lnTo>
-                    <a:pt x="9036" y="5188"/>
-                  </a:lnTo>
-                  <a:lnTo>
-                    <a:pt x="9133" y="5164"/>
-                  </a:lnTo>
-                  <a:lnTo>
-                    <a:pt x="9133" y="5164"/>
-                  </a:lnTo>
-                  <a:lnTo>
-                    <a:pt x="9206" y="5188"/>
-                  </a:lnTo>
-                  <a:lnTo>
-                    <a:pt x="9279" y="5212"/>
-                  </a:lnTo>
-                  <a:lnTo>
-                    <a:pt x="9401" y="5285"/>
-                  </a:lnTo>
-                  <a:lnTo>
-                    <a:pt x="9474" y="5407"/>
-                  </a:lnTo>
-                  <a:lnTo>
-                    <a:pt x="9498" y="5480"/>
-                  </a:lnTo>
-                  <a:lnTo>
-                    <a:pt x="9523" y="5553"/>
-                  </a:lnTo>
-                  <a:lnTo>
-                    <a:pt x="9523" y="5553"/>
-                  </a:lnTo>
-                  <a:lnTo>
-                    <a:pt x="9498" y="5651"/>
-                  </a:lnTo>
-                  <a:lnTo>
-                    <a:pt x="9474" y="5724"/>
-                  </a:lnTo>
-                  <a:lnTo>
-                    <a:pt x="9401" y="5846"/>
-                  </a:lnTo>
-                  <a:lnTo>
-                    <a:pt x="9279" y="5919"/>
-                  </a:lnTo>
-                  <a:lnTo>
-                    <a:pt x="9206" y="5943"/>
-                  </a:lnTo>
-                  <a:lnTo>
-                    <a:pt x="9133" y="5943"/>
-                  </a:lnTo>
-                  <a:lnTo>
-                    <a:pt x="9133" y="5943"/>
-                  </a:lnTo>
-                  <a:close/>
-                  <a:moveTo>
-                    <a:pt x="9986" y="4409"/>
-                  </a:moveTo>
-                  <a:lnTo>
-                    <a:pt x="9986" y="4409"/>
-                  </a:lnTo>
-                  <a:lnTo>
-                    <a:pt x="9888" y="4409"/>
-                  </a:lnTo>
-                  <a:lnTo>
-                    <a:pt x="9815" y="4384"/>
-                  </a:lnTo>
-                  <a:lnTo>
-                    <a:pt x="9693" y="4287"/>
-                  </a:lnTo>
-                  <a:lnTo>
-                    <a:pt x="9620" y="4165"/>
-                  </a:lnTo>
-                  <a:lnTo>
-                    <a:pt x="9596" y="4092"/>
-                  </a:lnTo>
-                  <a:lnTo>
-                    <a:pt x="9596" y="4019"/>
-                  </a:lnTo>
-                  <a:lnTo>
-                    <a:pt x="9596" y="4019"/>
-                  </a:lnTo>
-                  <a:lnTo>
-                    <a:pt x="9596" y="3946"/>
-                  </a:lnTo>
-                  <a:lnTo>
-                    <a:pt x="9620" y="3873"/>
-                  </a:lnTo>
-                  <a:lnTo>
-                    <a:pt x="9693" y="3751"/>
-                  </a:lnTo>
-                  <a:lnTo>
-                    <a:pt x="9815" y="3654"/>
-                  </a:lnTo>
-                  <a:lnTo>
-                    <a:pt x="9888" y="3629"/>
-                  </a:lnTo>
-                  <a:lnTo>
-                    <a:pt x="9986" y="3629"/>
-                  </a:lnTo>
-                  <a:lnTo>
-                    <a:pt x="9986" y="3629"/>
-                  </a:lnTo>
-                  <a:lnTo>
-                    <a:pt x="10059" y="3629"/>
-                  </a:lnTo>
-                  <a:lnTo>
-                    <a:pt x="10132" y="3654"/>
-                  </a:lnTo>
-                  <a:lnTo>
-                    <a:pt x="10253" y="3751"/>
-                  </a:lnTo>
-                  <a:lnTo>
-                    <a:pt x="10327" y="3873"/>
-                  </a:lnTo>
-                  <a:lnTo>
-                    <a:pt x="10351" y="3946"/>
-                  </a:lnTo>
-                  <a:lnTo>
-                    <a:pt x="10375" y="4019"/>
-                  </a:lnTo>
-                  <a:lnTo>
-                    <a:pt x="10375" y="4019"/>
-                  </a:lnTo>
-                  <a:lnTo>
-                    <a:pt x="10351" y="4092"/>
-                  </a:lnTo>
-                  <a:lnTo>
-                    <a:pt x="10327" y="4165"/>
-                  </a:lnTo>
-                  <a:lnTo>
-                    <a:pt x="10253" y="4287"/>
-                  </a:lnTo>
-                  <a:lnTo>
-                    <a:pt x="10132" y="4384"/>
-                  </a:lnTo>
-                  <a:lnTo>
-                    <a:pt x="10059" y="4409"/>
-                  </a:lnTo>
-                  <a:lnTo>
-                    <a:pt x="9986" y="4409"/>
-                  </a:lnTo>
-                  <a:lnTo>
-                    <a:pt x="9986" y="4409"/>
-                  </a:lnTo>
-                  <a:close/>
-                  <a:moveTo>
-                    <a:pt x="13200" y="4165"/>
-                  </a:moveTo>
-                  <a:lnTo>
-                    <a:pt x="13200" y="4165"/>
-                  </a:lnTo>
-                  <a:lnTo>
-                    <a:pt x="12957" y="3897"/>
-                  </a:lnTo>
-                  <a:lnTo>
-                    <a:pt x="12713" y="3605"/>
-                  </a:lnTo>
-                  <a:lnTo>
-                    <a:pt x="12713" y="3605"/>
-                  </a:lnTo>
-                  <a:lnTo>
-                    <a:pt x="12372" y="3288"/>
-                  </a:lnTo>
-                  <a:lnTo>
-                    <a:pt x="12007" y="3020"/>
-                  </a:lnTo>
-                  <a:lnTo>
-                    <a:pt x="11642" y="2752"/>
-                  </a:lnTo>
-                  <a:lnTo>
-                    <a:pt x="11276" y="2533"/>
-                  </a:lnTo>
-                  <a:lnTo>
-                    <a:pt x="11276" y="2533"/>
-                  </a:lnTo>
-                  <a:lnTo>
-                    <a:pt x="11715" y="2265"/>
-                  </a:lnTo>
-                  <a:lnTo>
-                    <a:pt x="12153" y="2046"/>
-                  </a:lnTo>
-                  <a:lnTo>
-                    <a:pt x="12518" y="1876"/>
-                  </a:lnTo>
-                  <a:lnTo>
-                    <a:pt x="12884" y="1754"/>
-                  </a:lnTo>
-                  <a:lnTo>
-                    <a:pt x="13176" y="1681"/>
-                  </a:lnTo>
-                  <a:lnTo>
-                    <a:pt x="13444" y="1681"/>
-                  </a:lnTo>
-                  <a:lnTo>
-                    <a:pt x="13541" y="1681"/>
-                  </a:lnTo>
-                  <a:lnTo>
-                    <a:pt x="13639" y="1730"/>
-                  </a:lnTo>
-                  <a:lnTo>
-                    <a:pt x="13736" y="1754"/>
-                  </a:lnTo>
-                  <a:lnTo>
-                    <a:pt x="13809" y="1827"/>
-                  </a:lnTo>
-                  <a:lnTo>
-                    <a:pt x="13809" y="1827"/>
-                  </a:lnTo>
-                  <a:lnTo>
-                    <a:pt x="13858" y="1900"/>
-                  </a:lnTo>
-                  <a:lnTo>
-                    <a:pt x="13907" y="1973"/>
-                  </a:lnTo>
-                  <a:lnTo>
-                    <a:pt x="13931" y="2070"/>
-                  </a:lnTo>
-                  <a:lnTo>
-                    <a:pt x="13955" y="2168"/>
-                  </a:lnTo>
-                  <a:lnTo>
-                    <a:pt x="13955" y="2411"/>
-                  </a:lnTo>
-                  <a:lnTo>
-                    <a:pt x="13882" y="2679"/>
-                  </a:lnTo>
-                  <a:lnTo>
-                    <a:pt x="13785" y="3020"/>
-                  </a:lnTo>
-                  <a:lnTo>
-                    <a:pt x="13639" y="3361"/>
-                  </a:lnTo>
-                  <a:lnTo>
-                    <a:pt x="13444" y="3751"/>
-                  </a:lnTo>
-                  <a:lnTo>
-                    <a:pt x="13200" y="4165"/>
-                  </a:lnTo>
-                  <a:lnTo>
-                    <a:pt x="13200" y="4165"/>
-                  </a:lnTo>
-                  <a:close/>
-                </a:path>
-              </a:pathLst>
-            </a:custGeom>
-            <a:noFill/>
-            <a:ln w="19050" cap="rnd" cmpd="sng">
-              <a:solidFill>
-                <a:srgbClr val="C7D3E6"/>
-              </a:solidFill>
-              <a:prstDash val="solid"/>
-              <a:round/>
-              <a:headEnd type="none" w="med" len="med"/>
-              <a:tailEnd type="none" w="med" len="med"/>
-            </a:ln>
-          </p:spPr>
-          <p:txBody>
-            <a:bodyPr wrap="square" lIns="91425" tIns="91425" rIns="91425" bIns="91425" anchor="ctr" anchorCtr="0">
-              <a:noAutofit/>
-            </a:bodyPr>
-            <a:lstStyle/>
-            <a:p>
-              <a:pPr lvl="0">
-                <a:spcBef>
-                  <a:spcPts val="0"/>
-                </a:spcBef>
-                <a:buNone/>
-              </a:pPr>
-              <a:endParaRPr/>
-            </a:p>
-          </p:txBody>
-        </p:sp>
-      </p:grpSp>
-      <p:grpSp>
-        <p:nvGrpSpPr>
-          <p:cNvPr id="253" name="Shape 253"/>
-          <p:cNvGrpSpPr/>
-          <p:nvPr/>
-        </p:nvGrpSpPr>
-        <p:grpSpPr>
-          <a:xfrm rot="-587363">
-            <a:off x="6589251" y="2174497"/>
-            <a:ext cx="653127" cy="653134"/>
-            <a:chOff x="576250" y="4319400"/>
-            <a:chExt cx="442075" cy="442050"/>
-          </a:xfrm>
-        </p:grpSpPr>
-        <p:sp>
-          <p:nvSpPr>
-            <p:cNvPr id="254" name="Shape 254"/>
-            <p:cNvSpPr/>
-            <p:nvPr/>
-          </p:nvSpPr>
-          <p:spPr>
-            <a:xfrm>
-              <a:off x="576250" y="4319400"/>
-              <a:ext cx="442075" cy="442050"/>
-            </a:xfrm>
-            <a:custGeom>
-              <a:avLst/>
-              <a:gdLst/>
-              <a:ahLst/>
-              <a:cxnLst/>
-              <a:rect l="0" t="0" r="0" b="0"/>
-              <a:pathLst>
-                <a:path w="17683" h="17682" fill="none" extrusionOk="0">
-                  <a:moveTo>
-                    <a:pt x="11472" y="17292"/>
-                  </a:moveTo>
-                  <a:lnTo>
-                    <a:pt x="11472" y="12153"/>
-                  </a:lnTo>
-                  <a:lnTo>
-                    <a:pt x="16416" y="7209"/>
-                  </a:lnTo>
-                  <a:lnTo>
-                    <a:pt x="16416" y="7209"/>
-                  </a:lnTo>
-                  <a:lnTo>
-                    <a:pt x="16562" y="7063"/>
-                  </a:lnTo>
-                  <a:lnTo>
-                    <a:pt x="16684" y="6868"/>
-                  </a:lnTo>
-                  <a:lnTo>
-                    <a:pt x="16830" y="6674"/>
-                  </a:lnTo>
-                  <a:lnTo>
-                    <a:pt x="16927" y="6479"/>
-                  </a:lnTo>
-                  <a:lnTo>
-                    <a:pt x="17146" y="6040"/>
-                  </a:lnTo>
-                  <a:lnTo>
-                    <a:pt x="17317" y="5553"/>
-                  </a:lnTo>
-                  <a:lnTo>
-                    <a:pt x="17439" y="5042"/>
-                  </a:lnTo>
-                  <a:lnTo>
-                    <a:pt x="17560" y="4506"/>
-                  </a:lnTo>
-                  <a:lnTo>
-                    <a:pt x="17633" y="3970"/>
-                  </a:lnTo>
-                  <a:lnTo>
-                    <a:pt x="17658" y="3434"/>
-                  </a:lnTo>
-                  <a:lnTo>
-                    <a:pt x="17682" y="2898"/>
-                  </a:lnTo>
-                  <a:lnTo>
-                    <a:pt x="17682" y="2411"/>
-                  </a:lnTo>
-                  <a:lnTo>
-                    <a:pt x="17658" y="1949"/>
-                  </a:lnTo>
-                  <a:lnTo>
-                    <a:pt x="17609" y="1510"/>
-                  </a:lnTo>
-                  <a:lnTo>
-                    <a:pt x="17536" y="1145"/>
-                  </a:lnTo>
-                  <a:lnTo>
-                    <a:pt x="17463" y="828"/>
-                  </a:lnTo>
-                  <a:lnTo>
-                    <a:pt x="17366" y="585"/>
-                  </a:lnTo>
-                  <a:lnTo>
-                    <a:pt x="17292" y="487"/>
-                  </a:lnTo>
-                  <a:lnTo>
-                    <a:pt x="17244" y="439"/>
-                  </a:lnTo>
-                  <a:lnTo>
-                    <a:pt x="17244" y="439"/>
-                  </a:lnTo>
-                  <a:lnTo>
-                    <a:pt x="17195" y="390"/>
-                  </a:lnTo>
-                  <a:lnTo>
-                    <a:pt x="17098" y="317"/>
-                  </a:lnTo>
-                  <a:lnTo>
-                    <a:pt x="16854" y="219"/>
-                  </a:lnTo>
-                  <a:lnTo>
-                    <a:pt x="16537" y="146"/>
-                  </a:lnTo>
-                  <a:lnTo>
-                    <a:pt x="16172" y="73"/>
-                  </a:lnTo>
-                  <a:lnTo>
-                    <a:pt x="15734" y="25"/>
-                  </a:lnTo>
-                  <a:lnTo>
-                    <a:pt x="15271" y="0"/>
-                  </a:lnTo>
-                  <a:lnTo>
-                    <a:pt x="14784" y="0"/>
-                  </a:lnTo>
-                  <a:lnTo>
-                    <a:pt x="14248" y="25"/>
-                  </a:lnTo>
-                  <a:lnTo>
-                    <a:pt x="13712" y="49"/>
-                  </a:lnTo>
-                  <a:lnTo>
-                    <a:pt x="13176" y="122"/>
-                  </a:lnTo>
-                  <a:lnTo>
-                    <a:pt x="12641" y="244"/>
-                  </a:lnTo>
-                  <a:lnTo>
-                    <a:pt x="12129" y="366"/>
-                  </a:lnTo>
-                  <a:lnTo>
-                    <a:pt x="11642" y="536"/>
-                  </a:lnTo>
-                  <a:lnTo>
-                    <a:pt x="11204" y="755"/>
-                  </a:lnTo>
-                  <a:lnTo>
-                    <a:pt x="10985" y="853"/>
-                  </a:lnTo>
-                  <a:lnTo>
-                    <a:pt x="10814" y="999"/>
-                  </a:lnTo>
-                  <a:lnTo>
-                    <a:pt x="10619" y="1121"/>
-                  </a:lnTo>
-                  <a:lnTo>
-                    <a:pt x="10473" y="1267"/>
-                  </a:lnTo>
-                  <a:lnTo>
-                    <a:pt x="5529" y="6211"/>
-                  </a:lnTo>
-                  <a:lnTo>
-                    <a:pt x="390" y="6211"/>
-                  </a:lnTo>
-                  <a:lnTo>
-                    <a:pt x="390" y="6211"/>
-                  </a:lnTo>
-                  <a:lnTo>
-                    <a:pt x="244" y="6235"/>
-                  </a:lnTo>
-                  <a:lnTo>
-                    <a:pt x="147" y="6259"/>
-                  </a:lnTo>
-                  <a:lnTo>
-                    <a:pt x="49" y="6308"/>
-                  </a:lnTo>
-                  <a:lnTo>
-                    <a:pt x="0" y="6381"/>
-                  </a:lnTo>
-                  <a:lnTo>
-                    <a:pt x="0" y="6454"/>
-                  </a:lnTo>
-                  <a:lnTo>
-                    <a:pt x="25" y="6552"/>
-                  </a:lnTo>
-                  <a:lnTo>
-                    <a:pt x="74" y="6649"/>
-                  </a:lnTo>
-                  <a:lnTo>
-                    <a:pt x="171" y="6771"/>
-                  </a:lnTo>
-                  <a:lnTo>
-                    <a:pt x="2582" y="9158"/>
-                  </a:lnTo>
-                  <a:lnTo>
-                    <a:pt x="2265" y="9474"/>
-                  </a:lnTo>
-                  <a:lnTo>
-                    <a:pt x="950" y="9718"/>
-                  </a:lnTo>
-                  <a:lnTo>
-                    <a:pt x="950" y="9718"/>
-                  </a:lnTo>
-                  <a:lnTo>
-                    <a:pt x="804" y="9767"/>
-                  </a:lnTo>
-                  <a:lnTo>
-                    <a:pt x="682" y="9815"/>
-                  </a:lnTo>
-                  <a:lnTo>
-                    <a:pt x="609" y="9913"/>
-                  </a:lnTo>
-                  <a:lnTo>
-                    <a:pt x="561" y="9986"/>
-                  </a:lnTo>
-                  <a:lnTo>
-                    <a:pt x="561" y="10083"/>
-                  </a:lnTo>
-                  <a:lnTo>
-                    <a:pt x="585" y="10205"/>
-                  </a:lnTo>
-                  <a:lnTo>
-                    <a:pt x="634" y="10302"/>
-                  </a:lnTo>
-                  <a:lnTo>
-                    <a:pt x="731" y="10424"/>
-                  </a:lnTo>
-                  <a:lnTo>
-                    <a:pt x="7258" y="16951"/>
-                  </a:lnTo>
-                  <a:lnTo>
-                    <a:pt x="7258" y="16951"/>
-                  </a:lnTo>
-                  <a:lnTo>
-                    <a:pt x="7380" y="17049"/>
-                  </a:lnTo>
-                  <a:lnTo>
-                    <a:pt x="7477" y="17097"/>
-                  </a:lnTo>
-                  <a:lnTo>
-                    <a:pt x="7599" y="17122"/>
-                  </a:lnTo>
-                  <a:lnTo>
-                    <a:pt x="7697" y="17122"/>
-                  </a:lnTo>
-                  <a:lnTo>
-                    <a:pt x="7770" y="17073"/>
-                  </a:lnTo>
-                  <a:lnTo>
-                    <a:pt x="7867" y="17000"/>
-                  </a:lnTo>
-                  <a:lnTo>
-                    <a:pt x="7916" y="16878"/>
-                  </a:lnTo>
-                  <a:lnTo>
-                    <a:pt x="7965" y="16732"/>
-                  </a:lnTo>
-                  <a:lnTo>
-                    <a:pt x="8208" y="15417"/>
-                  </a:lnTo>
-                  <a:lnTo>
-                    <a:pt x="8525" y="15100"/>
-                  </a:lnTo>
-                  <a:lnTo>
-                    <a:pt x="10911" y="17511"/>
-                  </a:lnTo>
-                  <a:lnTo>
-                    <a:pt x="10911" y="17511"/>
-                  </a:lnTo>
-                  <a:lnTo>
-                    <a:pt x="11033" y="17609"/>
-                  </a:lnTo>
-                  <a:lnTo>
-                    <a:pt x="11131" y="17658"/>
-                  </a:lnTo>
-                  <a:lnTo>
-                    <a:pt x="11228" y="17682"/>
-                  </a:lnTo>
-                  <a:lnTo>
-                    <a:pt x="11301" y="17682"/>
-                  </a:lnTo>
-                  <a:lnTo>
-                    <a:pt x="11374" y="17633"/>
-                  </a:lnTo>
-                  <a:lnTo>
-                    <a:pt x="11423" y="17536"/>
-                  </a:lnTo>
-                  <a:lnTo>
-                    <a:pt x="11447" y="17438"/>
-                  </a:lnTo>
-                  <a:lnTo>
-                    <a:pt x="11472" y="17292"/>
-                  </a:lnTo>
-                  <a:lnTo>
-                    <a:pt x="11472" y="17292"/>
-                  </a:lnTo>
-                  <a:close/>
-                  <a:moveTo>
-                    <a:pt x="6162" y="12202"/>
-                  </a:moveTo>
-                  <a:lnTo>
-                    <a:pt x="6162" y="12202"/>
-                  </a:lnTo>
-                  <a:lnTo>
-                    <a:pt x="6089" y="12275"/>
-                  </a:lnTo>
-                  <a:lnTo>
-                    <a:pt x="6016" y="12324"/>
-                  </a:lnTo>
-                  <a:lnTo>
-                    <a:pt x="5919" y="12348"/>
-                  </a:lnTo>
-                  <a:lnTo>
-                    <a:pt x="5821" y="12348"/>
-                  </a:lnTo>
-                  <a:lnTo>
-                    <a:pt x="5724" y="12348"/>
-                  </a:lnTo>
-                  <a:lnTo>
-                    <a:pt x="5626" y="12324"/>
-                  </a:lnTo>
-                  <a:lnTo>
-                    <a:pt x="5553" y="12275"/>
-                  </a:lnTo>
-                  <a:lnTo>
-                    <a:pt x="5480" y="12202"/>
-                  </a:lnTo>
-                  <a:lnTo>
-                    <a:pt x="5480" y="12202"/>
-                  </a:lnTo>
-                  <a:lnTo>
-                    <a:pt x="5407" y="12129"/>
-                  </a:lnTo>
-                  <a:lnTo>
-                    <a:pt x="5359" y="12056"/>
-                  </a:lnTo>
-                  <a:lnTo>
-                    <a:pt x="5334" y="11959"/>
-                  </a:lnTo>
-                  <a:lnTo>
-                    <a:pt x="5334" y="11861"/>
-                  </a:lnTo>
-                  <a:lnTo>
-                    <a:pt x="5334" y="11764"/>
-                  </a:lnTo>
-                  <a:lnTo>
-                    <a:pt x="5359" y="11666"/>
-                  </a:lnTo>
-                  <a:lnTo>
-                    <a:pt x="5407" y="11593"/>
-                  </a:lnTo>
-                  <a:lnTo>
-                    <a:pt x="5480" y="11520"/>
-                  </a:lnTo>
-                  <a:lnTo>
-                    <a:pt x="8013" y="8987"/>
-                  </a:lnTo>
-                  <a:lnTo>
-                    <a:pt x="8013" y="8987"/>
-                  </a:lnTo>
-                  <a:lnTo>
-                    <a:pt x="8086" y="8939"/>
-                  </a:lnTo>
-                  <a:lnTo>
-                    <a:pt x="8159" y="8890"/>
-                  </a:lnTo>
-                  <a:lnTo>
-                    <a:pt x="8257" y="8865"/>
-                  </a:lnTo>
-                  <a:lnTo>
-                    <a:pt x="8354" y="8841"/>
-                  </a:lnTo>
-                  <a:lnTo>
-                    <a:pt x="8452" y="8865"/>
-                  </a:lnTo>
-                  <a:lnTo>
-                    <a:pt x="8525" y="8890"/>
-                  </a:lnTo>
-                  <a:lnTo>
-                    <a:pt x="8622" y="8939"/>
-                  </a:lnTo>
-                  <a:lnTo>
-                    <a:pt x="8695" y="8987"/>
-                  </a:lnTo>
-                  <a:lnTo>
-                    <a:pt x="8695" y="8987"/>
-                  </a:lnTo>
-                  <a:lnTo>
-                    <a:pt x="8744" y="9060"/>
-                  </a:lnTo>
-                  <a:lnTo>
-                    <a:pt x="8793" y="9158"/>
-                  </a:lnTo>
-                  <a:lnTo>
-                    <a:pt x="8817" y="9231"/>
-                  </a:lnTo>
-                  <a:lnTo>
-                    <a:pt x="8841" y="9328"/>
-                  </a:lnTo>
-                  <a:lnTo>
-                    <a:pt x="8817" y="9426"/>
-                  </a:lnTo>
-                  <a:lnTo>
-                    <a:pt x="8793" y="9523"/>
-                  </a:lnTo>
-                  <a:lnTo>
-                    <a:pt x="8744" y="9596"/>
-                  </a:lnTo>
-                  <a:lnTo>
-                    <a:pt x="8695" y="9669"/>
-                  </a:lnTo>
-                  <a:lnTo>
-                    <a:pt x="6162" y="12202"/>
-                  </a:lnTo>
-                  <a:close/>
-                  <a:moveTo>
-                    <a:pt x="13396" y="7307"/>
-                  </a:moveTo>
-                  <a:lnTo>
-                    <a:pt x="13396" y="7307"/>
-                  </a:lnTo>
-                  <a:lnTo>
-                    <a:pt x="13274" y="7404"/>
-                  </a:lnTo>
-                  <a:lnTo>
-                    <a:pt x="13152" y="7477"/>
-                  </a:lnTo>
-                  <a:lnTo>
-                    <a:pt x="13006" y="7526"/>
-                  </a:lnTo>
-                  <a:lnTo>
-                    <a:pt x="12836" y="7550"/>
-                  </a:lnTo>
-                  <a:lnTo>
-                    <a:pt x="12689" y="7526"/>
-                  </a:lnTo>
-                  <a:lnTo>
-                    <a:pt x="12543" y="7477"/>
-                  </a:lnTo>
-                  <a:lnTo>
-                    <a:pt x="12421" y="7404"/>
-                  </a:lnTo>
-                  <a:lnTo>
-                    <a:pt x="12300" y="7307"/>
-                  </a:lnTo>
-                  <a:lnTo>
-                    <a:pt x="10376" y="5383"/>
-                  </a:lnTo>
-                  <a:lnTo>
-                    <a:pt x="10376" y="5383"/>
-                  </a:lnTo>
-                  <a:lnTo>
-                    <a:pt x="10278" y="5261"/>
-                  </a:lnTo>
-                  <a:lnTo>
-                    <a:pt x="10205" y="5139"/>
-                  </a:lnTo>
-                  <a:lnTo>
-                    <a:pt x="10156" y="4993"/>
-                  </a:lnTo>
-                  <a:lnTo>
-                    <a:pt x="10132" y="4847"/>
-                  </a:lnTo>
-                  <a:lnTo>
-                    <a:pt x="10156" y="4676"/>
-                  </a:lnTo>
-                  <a:lnTo>
-                    <a:pt x="10205" y="4530"/>
-                  </a:lnTo>
-                  <a:lnTo>
-                    <a:pt x="10278" y="4408"/>
-                  </a:lnTo>
-                  <a:lnTo>
-                    <a:pt x="10376" y="4287"/>
-                  </a:lnTo>
-                  <a:lnTo>
-                    <a:pt x="10376" y="4287"/>
-                  </a:lnTo>
-                  <a:lnTo>
-                    <a:pt x="11326" y="3313"/>
-                  </a:lnTo>
-                  <a:lnTo>
-                    <a:pt x="11326" y="3313"/>
-                  </a:lnTo>
-                  <a:lnTo>
-                    <a:pt x="11496" y="3166"/>
-                  </a:lnTo>
-                  <a:lnTo>
-                    <a:pt x="11666" y="3045"/>
-                  </a:lnTo>
-                  <a:lnTo>
-                    <a:pt x="11861" y="2947"/>
-                  </a:lnTo>
-                  <a:lnTo>
-                    <a:pt x="12032" y="2850"/>
-                  </a:lnTo>
-                  <a:lnTo>
-                    <a:pt x="12227" y="2777"/>
-                  </a:lnTo>
-                  <a:lnTo>
-                    <a:pt x="12446" y="2728"/>
-                  </a:lnTo>
-                  <a:lnTo>
-                    <a:pt x="12641" y="2704"/>
-                  </a:lnTo>
-                  <a:lnTo>
-                    <a:pt x="12836" y="2704"/>
-                  </a:lnTo>
-                  <a:lnTo>
-                    <a:pt x="13055" y="2704"/>
-                  </a:lnTo>
-                  <a:lnTo>
-                    <a:pt x="13250" y="2728"/>
-                  </a:lnTo>
-                  <a:lnTo>
-                    <a:pt x="13469" y="2777"/>
-                  </a:lnTo>
-                  <a:lnTo>
-                    <a:pt x="13664" y="2850"/>
-                  </a:lnTo>
-                  <a:lnTo>
-                    <a:pt x="13834" y="2947"/>
-                  </a:lnTo>
-                  <a:lnTo>
-                    <a:pt x="14029" y="3045"/>
-                  </a:lnTo>
-                  <a:lnTo>
-                    <a:pt x="14199" y="3166"/>
-                  </a:lnTo>
-                  <a:lnTo>
-                    <a:pt x="14370" y="3313"/>
-                  </a:lnTo>
-                  <a:lnTo>
-                    <a:pt x="14370" y="3313"/>
-                  </a:lnTo>
-                  <a:lnTo>
-                    <a:pt x="14516" y="3483"/>
-                  </a:lnTo>
-                  <a:lnTo>
-                    <a:pt x="14638" y="3653"/>
-                  </a:lnTo>
-                  <a:lnTo>
-                    <a:pt x="14735" y="3848"/>
-                  </a:lnTo>
-                  <a:lnTo>
-                    <a:pt x="14833" y="4019"/>
-                  </a:lnTo>
-                  <a:lnTo>
-                    <a:pt x="14906" y="4214"/>
-                  </a:lnTo>
-                  <a:lnTo>
-                    <a:pt x="14954" y="4433"/>
-                  </a:lnTo>
-                  <a:lnTo>
-                    <a:pt x="14979" y="4628"/>
-                  </a:lnTo>
-                  <a:lnTo>
-                    <a:pt x="14979" y="4847"/>
-                  </a:lnTo>
-                  <a:lnTo>
-                    <a:pt x="14979" y="5042"/>
-                  </a:lnTo>
-                  <a:lnTo>
-                    <a:pt x="14954" y="5237"/>
-                  </a:lnTo>
-                  <a:lnTo>
-                    <a:pt x="14906" y="5456"/>
-                  </a:lnTo>
-                  <a:lnTo>
-                    <a:pt x="14833" y="5651"/>
-                  </a:lnTo>
-                  <a:lnTo>
-                    <a:pt x="14735" y="5821"/>
-                  </a:lnTo>
-                  <a:lnTo>
-                    <a:pt x="14638" y="6016"/>
-                  </a:lnTo>
-                  <a:lnTo>
-                    <a:pt x="14516" y="6186"/>
-                  </a:lnTo>
-                  <a:lnTo>
-                    <a:pt x="14370" y="6357"/>
-                  </a:lnTo>
-                  <a:lnTo>
-                    <a:pt x="14370" y="6357"/>
-                  </a:lnTo>
-                  <a:lnTo>
-                    <a:pt x="13396" y="7307"/>
-                  </a:lnTo>
-                  <a:lnTo>
-                    <a:pt x="13396" y="7307"/>
-                  </a:lnTo>
-                  <a:close/>
-                </a:path>
-              </a:pathLst>
-            </a:custGeom>
-            <a:noFill/>
-            <a:ln w="19050" cap="rnd" cmpd="sng">
-              <a:solidFill>
-                <a:srgbClr val="3F5378"/>
-              </a:solidFill>
-              <a:prstDash val="solid"/>
-              <a:round/>
-              <a:headEnd type="none" w="med" len="med"/>
-              <a:tailEnd type="none" w="med" len="med"/>
-            </a:ln>
-          </p:spPr>
-          <p:txBody>
-            <a:bodyPr wrap="square" lIns="91425" tIns="91425" rIns="91425" bIns="91425" anchor="ctr" anchorCtr="0">
-              <a:noAutofit/>
-            </a:bodyPr>
-            <a:lstStyle/>
-            <a:p>
-              <a:pPr lvl="0">
-                <a:spcBef>
-                  <a:spcPts val="0"/>
-                </a:spcBef>
-                <a:buNone/>
-              </a:pPr>
-              <a:endParaRPr/>
-            </a:p>
-          </p:txBody>
-        </p:sp>
-        <p:sp>
-          <p:nvSpPr>
-            <p:cNvPr id="255" name="Shape 255"/>
-            <p:cNvSpPr/>
-            <p:nvPr/>
-          </p:nvSpPr>
-          <p:spPr>
-            <a:xfrm>
-              <a:off x="595725" y="4668875"/>
-              <a:ext cx="73100" cy="73100"/>
-            </a:xfrm>
-            <a:custGeom>
-              <a:avLst/>
-              <a:gdLst/>
-              <a:ahLst/>
-              <a:cxnLst/>
-              <a:rect l="0" t="0" r="0" b="0"/>
-              <a:pathLst>
-                <a:path w="2924" h="2924" fill="none" extrusionOk="0">
-                  <a:moveTo>
-                    <a:pt x="2656" y="269"/>
-                  </a:moveTo>
-                  <a:lnTo>
-                    <a:pt x="2656" y="269"/>
-                  </a:lnTo>
-                  <a:lnTo>
-                    <a:pt x="2509" y="147"/>
-                  </a:lnTo>
-                  <a:lnTo>
-                    <a:pt x="2363" y="74"/>
-                  </a:lnTo>
-                  <a:lnTo>
-                    <a:pt x="2193" y="25"/>
-                  </a:lnTo>
-                  <a:lnTo>
-                    <a:pt x="2022" y="1"/>
-                  </a:lnTo>
-                  <a:lnTo>
-                    <a:pt x="1852" y="25"/>
-                  </a:lnTo>
-                  <a:lnTo>
-                    <a:pt x="1681" y="74"/>
-                  </a:lnTo>
-                  <a:lnTo>
-                    <a:pt x="1511" y="147"/>
-                  </a:lnTo>
-                  <a:lnTo>
-                    <a:pt x="1365" y="269"/>
-                  </a:lnTo>
-                  <a:lnTo>
-                    <a:pt x="1365" y="269"/>
-                  </a:lnTo>
-                  <a:lnTo>
-                    <a:pt x="1219" y="488"/>
-                  </a:lnTo>
-                  <a:lnTo>
-                    <a:pt x="999" y="829"/>
-                  </a:lnTo>
-                  <a:lnTo>
-                    <a:pt x="561" y="1730"/>
-                  </a:lnTo>
-                  <a:lnTo>
-                    <a:pt x="171" y="2558"/>
-                  </a:lnTo>
-                  <a:lnTo>
-                    <a:pt x="1" y="2924"/>
-                  </a:lnTo>
-                  <a:lnTo>
-                    <a:pt x="1" y="2924"/>
-                  </a:lnTo>
-                  <a:lnTo>
-                    <a:pt x="366" y="2753"/>
-                  </a:lnTo>
-                  <a:lnTo>
-                    <a:pt x="1194" y="2363"/>
-                  </a:lnTo>
-                  <a:lnTo>
-                    <a:pt x="2095" y="1925"/>
-                  </a:lnTo>
-                  <a:lnTo>
-                    <a:pt x="2436" y="1706"/>
-                  </a:lnTo>
-                  <a:lnTo>
-                    <a:pt x="2656" y="1560"/>
-                  </a:lnTo>
-                  <a:lnTo>
-                    <a:pt x="2656" y="1560"/>
-                  </a:lnTo>
-                  <a:lnTo>
-                    <a:pt x="2777" y="1414"/>
-                  </a:lnTo>
-                  <a:lnTo>
-                    <a:pt x="2850" y="1243"/>
-                  </a:lnTo>
-                  <a:lnTo>
-                    <a:pt x="2899" y="1073"/>
-                  </a:lnTo>
-                  <a:lnTo>
-                    <a:pt x="2923" y="902"/>
-                  </a:lnTo>
-                  <a:lnTo>
-                    <a:pt x="2899" y="732"/>
-                  </a:lnTo>
-                  <a:lnTo>
-                    <a:pt x="2850" y="561"/>
-                  </a:lnTo>
-                  <a:lnTo>
-                    <a:pt x="2777" y="415"/>
-                  </a:lnTo>
-                  <a:lnTo>
-                    <a:pt x="2656" y="269"/>
-                  </a:lnTo>
-                  <a:lnTo>
-                    <a:pt x="2656" y="269"/>
-                  </a:lnTo>
-                  <a:close/>
-                </a:path>
-              </a:pathLst>
-            </a:custGeom>
-            <a:noFill/>
-            <a:ln w="19050" cap="rnd" cmpd="sng">
-              <a:solidFill>
-                <a:srgbClr val="3F5378"/>
-              </a:solidFill>
-              <a:prstDash val="solid"/>
-              <a:round/>
-              <a:headEnd type="none" w="med" len="med"/>
-              <a:tailEnd type="none" w="med" len="med"/>
-            </a:ln>
-          </p:spPr>
-          <p:txBody>
-            <a:bodyPr wrap="square" lIns="91425" tIns="91425" rIns="91425" bIns="91425" anchor="ctr" anchorCtr="0">
-              <a:noAutofit/>
-            </a:bodyPr>
-            <a:lstStyle/>
-            <a:p>
-              <a:pPr lvl="0">
-                <a:spcBef>
-                  <a:spcPts val="0"/>
-                </a:spcBef>
-                <a:buNone/>
-              </a:pPr>
-              <a:endParaRPr/>
-            </a:p>
-          </p:txBody>
-        </p:sp>
-        <p:sp>
-          <p:nvSpPr>
-            <p:cNvPr id="256" name="Shape 256"/>
-            <p:cNvSpPr/>
-            <p:nvPr/>
-          </p:nvSpPr>
-          <p:spPr>
-            <a:xfrm>
-              <a:off x="652350" y="4711500"/>
-              <a:ext cx="46925" cy="46925"/>
-            </a:xfrm>
-            <a:custGeom>
-              <a:avLst/>
-              <a:gdLst/>
-              <a:ahLst/>
-              <a:cxnLst/>
-              <a:rect l="0" t="0" r="0" b="0"/>
-              <a:pathLst>
-                <a:path w="1877" h="1877" fill="none" extrusionOk="0">
-                  <a:moveTo>
-                    <a:pt x="1657" y="244"/>
-                  </a:moveTo>
-                  <a:lnTo>
-                    <a:pt x="1657" y="244"/>
-                  </a:lnTo>
-                  <a:lnTo>
-                    <a:pt x="1535" y="147"/>
-                  </a:lnTo>
-                  <a:lnTo>
-                    <a:pt x="1413" y="74"/>
-                  </a:lnTo>
-                  <a:lnTo>
-                    <a:pt x="1267" y="25"/>
-                  </a:lnTo>
-                  <a:lnTo>
-                    <a:pt x="1121" y="1"/>
-                  </a:lnTo>
-                  <a:lnTo>
-                    <a:pt x="975" y="25"/>
-                  </a:lnTo>
-                  <a:lnTo>
-                    <a:pt x="829" y="74"/>
-                  </a:lnTo>
-                  <a:lnTo>
-                    <a:pt x="707" y="147"/>
-                  </a:lnTo>
-                  <a:lnTo>
-                    <a:pt x="585" y="244"/>
-                  </a:lnTo>
-                  <a:lnTo>
-                    <a:pt x="585" y="244"/>
-                  </a:lnTo>
-                  <a:lnTo>
-                    <a:pt x="464" y="391"/>
-                  </a:lnTo>
-                  <a:lnTo>
-                    <a:pt x="366" y="610"/>
-                  </a:lnTo>
-                  <a:lnTo>
-                    <a:pt x="269" y="878"/>
-                  </a:lnTo>
-                  <a:lnTo>
-                    <a:pt x="171" y="1170"/>
-                  </a:lnTo>
-                  <a:lnTo>
-                    <a:pt x="50" y="1681"/>
-                  </a:lnTo>
-                  <a:lnTo>
-                    <a:pt x="1" y="1876"/>
-                  </a:lnTo>
-                  <a:lnTo>
-                    <a:pt x="1" y="1876"/>
-                  </a:lnTo>
-                  <a:lnTo>
-                    <a:pt x="220" y="1852"/>
-                  </a:lnTo>
-                  <a:lnTo>
-                    <a:pt x="731" y="1706"/>
-                  </a:lnTo>
-                  <a:lnTo>
-                    <a:pt x="999" y="1633"/>
-                  </a:lnTo>
-                  <a:lnTo>
-                    <a:pt x="1267" y="1535"/>
-                  </a:lnTo>
-                  <a:lnTo>
-                    <a:pt x="1511" y="1413"/>
-                  </a:lnTo>
-                  <a:lnTo>
-                    <a:pt x="1657" y="1316"/>
-                  </a:lnTo>
-                  <a:lnTo>
-                    <a:pt x="1657" y="1316"/>
-                  </a:lnTo>
-                  <a:lnTo>
-                    <a:pt x="1754" y="1194"/>
-                  </a:lnTo>
-                  <a:lnTo>
-                    <a:pt x="1827" y="1048"/>
-                  </a:lnTo>
-                  <a:lnTo>
-                    <a:pt x="1876" y="926"/>
-                  </a:lnTo>
-                  <a:lnTo>
-                    <a:pt x="1876" y="780"/>
-                  </a:lnTo>
-                  <a:lnTo>
-                    <a:pt x="1876" y="634"/>
-                  </a:lnTo>
-                  <a:lnTo>
-                    <a:pt x="1827" y="488"/>
-                  </a:lnTo>
-                  <a:lnTo>
-                    <a:pt x="1754" y="366"/>
-                  </a:lnTo>
-                  <a:lnTo>
-                    <a:pt x="1657" y="244"/>
-                  </a:lnTo>
-                  <a:lnTo>
-                    <a:pt x="1657" y="244"/>
-                  </a:lnTo>
-                  <a:close/>
-                </a:path>
-              </a:pathLst>
-            </a:custGeom>
-            <a:noFill/>
-            <a:ln w="19050" cap="rnd" cmpd="sng">
-              <a:solidFill>
-                <a:srgbClr val="3F5378"/>
-              </a:solidFill>
-              <a:prstDash val="solid"/>
-              <a:round/>
-              <a:headEnd type="none" w="med" len="med"/>
-              <a:tailEnd type="none" w="med" len="med"/>
-            </a:ln>
-          </p:spPr>
-          <p:txBody>
-            <a:bodyPr wrap="square" lIns="91425" tIns="91425" rIns="91425" bIns="91425" anchor="ctr" anchorCtr="0">
-              <a:noAutofit/>
-            </a:bodyPr>
-            <a:lstStyle/>
-            <a:p>
-              <a:pPr lvl="0">
-                <a:spcBef>
-                  <a:spcPts val="0"/>
-                </a:spcBef>
-                <a:buNone/>
-              </a:pPr>
-              <a:endParaRPr/>
-            </a:p>
-          </p:txBody>
-        </p:sp>
-        <p:sp>
-          <p:nvSpPr>
-            <p:cNvPr id="257" name="Shape 257"/>
-            <p:cNvSpPr/>
-            <p:nvPr/>
-          </p:nvSpPr>
-          <p:spPr>
-            <a:xfrm>
-              <a:off x="579300" y="4638450"/>
-              <a:ext cx="46900" cy="46900"/>
-            </a:xfrm>
-            <a:custGeom>
-              <a:avLst/>
-              <a:gdLst/>
-              <a:ahLst/>
-              <a:cxnLst/>
-              <a:rect l="0" t="0" r="0" b="0"/>
-              <a:pathLst>
-                <a:path w="1876" h="1876" fill="none" extrusionOk="0">
-                  <a:moveTo>
-                    <a:pt x="1632" y="219"/>
-                  </a:moveTo>
-                  <a:lnTo>
-                    <a:pt x="1632" y="219"/>
-                  </a:lnTo>
-                  <a:lnTo>
-                    <a:pt x="1510" y="122"/>
-                  </a:lnTo>
-                  <a:lnTo>
-                    <a:pt x="1388" y="49"/>
-                  </a:lnTo>
-                  <a:lnTo>
-                    <a:pt x="1242" y="0"/>
-                  </a:lnTo>
-                  <a:lnTo>
-                    <a:pt x="1096" y="0"/>
-                  </a:lnTo>
-                  <a:lnTo>
-                    <a:pt x="950" y="0"/>
-                  </a:lnTo>
-                  <a:lnTo>
-                    <a:pt x="828" y="49"/>
-                  </a:lnTo>
-                  <a:lnTo>
-                    <a:pt x="682" y="122"/>
-                  </a:lnTo>
-                  <a:lnTo>
-                    <a:pt x="560" y="219"/>
-                  </a:lnTo>
-                  <a:lnTo>
-                    <a:pt x="560" y="219"/>
-                  </a:lnTo>
-                  <a:lnTo>
-                    <a:pt x="463" y="366"/>
-                  </a:lnTo>
-                  <a:lnTo>
-                    <a:pt x="341" y="609"/>
-                  </a:lnTo>
-                  <a:lnTo>
-                    <a:pt x="244" y="877"/>
-                  </a:lnTo>
-                  <a:lnTo>
-                    <a:pt x="171" y="1145"/>
-                  </a:lnTo>
-                  <a:lnTo>
-                    <a:pt x="25" y="1656"/>
-                  </a:lnTo>
-                  <a:lnTo>
-                    <a:pt x="0" y="1876"/>
-                  </a:lnTo>
-                  <a:lnTo>
-                    <a:pt x="0" y="1876"/>
-                  </a:lnTo>
-                  <a:lnTo>
-                    <a:pt x="195" y="1827"/>
-                  </a:lnTo>
-                  <a:lnTo>
-                    <a:pt x="707" y="1705"/>
-                  </a:lnTo>
-                  <a:lnTo>
-                    <a:pt x="999" y="1608"/>
-                  </a:lnTo>
-                  <a:lnTo>
-                    <a:pt x="1267" y="1510"/>
-                  </a:lnTo>
-                  <a:lnTo>
-                    <a:pt x="1486" y="1413"/>
-                  </a:lnTo>
-                  <a:lnTo>
-                    <a:pt x="1632" y="1291"/>
-                  </a:lnTo>
-                  <a:lnTo>
-                    <a:pt x="1632" y="1291"/>
-                  </a:lnTo>
-                  <a:lnTo>
-                    <a:pt x="1729" y="1169"/>
-                  </a:lnTo>
-                  <a:lnTo>
-                    <a:pt x="1802" y="1048"/>
-                  </a:lnTo>
-                  <a:lnTo>
-                    <a:pt x="1851" y="901"/>
-                  </a:lnTo>
-                  <a:lnTo>
-                    <a:pt x="1876" y="755"/>
-                  </a:lnTo>
-                  <a:lnTo>
-                    <a:pt x="1851" y="609"/>
-                  </a:lnTo>
-                  <a:lnTo>
-                    <a:pt x="1802" y="463"/>
-                  </a:lnTo>
-                  <a:lnTo>
-                    <a:pt x="1729" y="341"/>
-                  </a:lnTo>
-                  <a:lnTo>
-                    <a:pt x="1632" y="219"/>
-                  </a:lnTo>
-                  <a:lnTo>
-                    <a:pt x="1632" y="219"/>
-                  </a:lnTo>
-                  <a:close/>
-                </a:path>
-              </a:pathLst>
-            </a:custGeom>
-            <a:noFill/>
-            <a:ln w="19050" cap="rnd" cmpd="sng">
-              <a:solidFill>
-                <a:srgbClr val="3F5378"/>
-              </a:solidFill>
-              <a:prstDash val="solid"/>
-              <a:round/>
-              <a:headEnd type="none" w="med" len="med"/>
-              <a:tailEnd type="none" w="med" len="med"/>
-            </a:ln>
-          </p:spPr>
-          <p:txBody>
-            <a:bodyPr wrap="square" lIns="91425" tIns="91425" rIns="91425" bIns="91425" anchor="ctr" anchorCtr="0">
-              <a:noAutofit/>
-            </a:bodyPr>
-            <a:lstStyle/>
-            <a:p>
-              <a:pPr lvl="0">
-                <a:spcBef>
-                  <a:spcPts val="0"/>
-                </a:spcBef>
-                <a:buNone/>
-              </a:pPr>
-              <a:endParaRPr/>
-            </a:p>
-          </p:txBody>
-        </p:sp>
-      </p:grpSp>
-      <p:sp>
-        <p:nvSpPr>
-          <p:cNvPr id="258" name="Shape 258"/>
-          <p:cNvSpPr/>
-          <p:nvPr/>
-        </p:nvSpPr>
-        <p:spPr>
-          <a:xfrm>
-            <a:off x="6302724" y="745608"/>
-            <a:ext cx="248336" cy="237120"/>
-          </a:xfrm>
-          <a:custGeom>
-            <a:avLst/>
-            <a:gdLst/>
-            <a:ahLst/>
-            <a:cxnLst/>
-            <a:rect l="0" t="0" r="0" b="0"/>
-            <a:pathLst>
-              <a:path w="15101" h="14419" fill="none" extrusionOk="0">
-                <a:moveTo>
-                  <a:pt x="7234" y="293"/>
-                </a:moveTo>
-                <a:lnTo>
-                  <a:pt x="7234" y="293"/>
-                </a:lnTo>
-                <a:lnTo>
-                  <a:pt x="7307" y="171"/>
-                </a:lnTo>
-                <a:lnTo>
-                  <a:pt x="7380" y="74"/>
-                </a:lnTo>
-                <a:lnTo>
-                  <a:pt x="7477" y="25"/>
-                </a:lnTo>
-                <a:lnTo>
-                  <a:pt x="7550" y="1"/>
-                </a:lnTo>
-                <a:lnTo>
-                  <a:pt x="7623" y="25"/>
-                </a:lnTo>
-                <a:lnTo>
-                  <a:pt x="7721" y="74"/>
-                </a:lnTo>
-                <a:lnTo>
-                  <a:pt x="7794" y="171"/>
-                </a:lnTo>
-                <a:lnTo>
-                  <a:pt x="7867" y="293"/>
-                </a:lnTo>
-                <a:lnTo>
-                  <a:pt x="9523" y="4092"/>
-                </a:lnTo>
-                <a:lnTo>
-                  <a:pt x="9523" y="4092"/>
-                </a:lnTo>
-                <a:lnTo>
-                  <a:pt x="9596" y="4214"/>
-                </a:lnTo>
-                <a:lnTo>
-                  <a:pt x="9718" y="4360"/>
-                </a:lnTo>
-                <a:lnTo>
-                  <a:pt x="9840" y="4482"/>
-                </a:lnTo>
-                <a:lnTo>
-                  <a:pt x="9986" y="4604"/>
-                </a:lnTo>
-                <a:lnTo>
-                  <a:pt x="10132" y="4701"/>
-                </a:lnTo>
-                <a:lnTo>
-                  <a:pt x="10302" y="4774"/>
-                </a:lnTo>
-                <a:lnTo>
-                  <a:pt x="10449" y="4847"/>
-                </a:lnTo>
-                <a:lnTo>
-                  <a:pt x="10619" y="4872"/>
-                </a:lnTo>
-                <a:lnTo>
-                  <a:pt x="14711" y="5286"/>
-                </a:lnTo>
-                <a:lnTo>
-                  <a:pt x="14711" y="5286"/>
-                </a:lnTo>
-                <a:lnTo>
-                  <a:pt x="14857" y="5310"/>
-                </a:lnTo>
-                <a:lnTo>
-                  <a:pt x="14979" y="5359"/>
-                </a:lnTo>
-                <a:lnTo>
-                  <a:pt x="15052" y="5407"/>
-                </a:lnTo>
-                <a:lnTo>
-                  <a:pt x="15100" y="5505"/>
-                </a:lnTo>
-                <a:lnTo>
-                  <a:pt x="15100" y="5578"/>
-                </a:lnTo>
-                <a:lnTo>
-                  <a:pt x="15076" y="5675"/>
-                </a:lnTo>
-                <a:lnTo>
-                  <a:pt x="15027" y="5773"/>
-                </a:lnTo>
-                <a:lnTo>
-                  <a:pt x="14906" y="5895"/>
-                </a:lnTo>
-                <a:lnTo>
-                  <a:pt x="11837" y="8622"/>
-                </a:lnTo>
-                <a:lnTo>
-                  <a:pt x="11837" y="8622"/>
-                </a:lnTo>
-                <a:lnTo>
-                  <a:pt x="11715" y="8744"/>
-                </a:lnTo>
-                <a:lnTo>
-                  <a:pt x="11618" y="8890"/>
-                </a:lnTo>
-                <a:lnTo>
-                  <a:pt x="11545" y="9061"/>
-                </a:lnTo>
-                <a:lnTo>
-                  <a:pt x="11472" y="9231"/>
-                </a:lnTo>
-                <a:lnTo>
-                  <a:pt x="11423" y="9402"/>
-                </a:lnTo>
-                <a:lnTo>
-                  <a:pt x="11398" y="9572"/>
-                </a:lnTo>
-                <a:lnTo>
-                  <a:pt x="11398" y="9743"/>
-                </a:lnTo>
-                <a:lnTo>
-                  <a:pt x="11423" y="9913"/>
-                </a:lnTo>
-                <a:lnTo>
-                  <a:pt x="12300" y="13956"/>
-                </a:lnTo>
-                <a:lnTo>
-                  <a:pt x="12300" y="13956"/>
-                </a:lnTo>
-                <a:lnTo>
-                  <a:pt x="12324" y="14102"/>
-                </a:lnTo>
-                <a:lnTo>
-                  <a:pt x="12300" y="14200"/>
-                </a:lnTo>
-                <a:lnTo>
-                  <a:pt x="12275" y="14297"/>
-                </a:lnTo>
-                <a:lnTo>
-                  <a:pt x="12227" y="14370"/>
-                </a:lnTo>
-                <a:lnTo>
-                  <a:pt x="12129" y="14394"/>
-                </a:lnTo>
-                <a:lnTo>
-                  <a:pt x="12032" y="14419"/>
-                </a:lnTo>
-                <a:lnTo>
-                  <a:pt x="11910" y="14370"/>
-                </a:lnTo>
-                <a:lnTo>
-                  <a:pt x="11788" y="14321"/>
-                </a:lnTo>
-                <a:lnTo>
-                  <a:pt x="8232" y="12227"/>
-                </a:lnTo>
-                <a:lnTo>
-                  <a:pt x="8232" y="12227"/>
-                </a:lnTo>
-                <a:lnTo>
-                  <a:pt x="8086" y="12154"/>
-                </a:lnTo>
-                <a:lnTo>
-                  <a:pt x="7916" y="12105"/>
-                </a:lnTo>
-                <a:lnTo>
-                  <a:pt x="7721" y="12081"/>
-                </a:lnTo>
-                <a:lnTo>
-                  <a:pt x="7550" y="12081"/>
-                </a:lnTo>
-                <a:lnTo>
-                  <a:pt x="7380" y="12081"/>
-                </a:lnTo>
-                <a:lnTo>
-                  <a:pt x="7185" y="12105"/>
-                </a:lnTo>
-                <a:lnTo>
-                  <a:pt x="7015" y="12154"/>
-                </a:lnTo>
-                <a:lnTo>
-                  <a:pt x="6868" y="12227"/>
-                </a:lnTo>
-                <a:lnTo>
-                  <a:pt x="3313" y="14321"/>
-                </a:lnTo>
-                <a:lnTo>
-                  <a:pt x="3313" y="14321"/>
-                </a:lnTo>
-                <a:lnTo>
-                  <a:pt x="3191" y="14370"/>
-                </a:lnTo>
-                <a:lnTo>
-                  <a:pt x="3069" y="14419"/>
-                </a:lnTo>
-                <a:lnTo>
-                  <a:pt x="2972" y="14394"/>
-                </a:lnTo>
-                <a:lnTo>
-                  <a:pt x="2874" y="14370"/>
-                </a:lnTo>
-                <a:lnTo>
-                  <a:pt x="2826" y="14297"/>
-                </a:lnTo>
-                <a:lnTo>
-                  <a:pt x="2801" y="14200"/>
-                </a:lnTo>
-                <a:lnTo>
-                  <a:pt x="2777" y="14102"/>
-                </a:lnTo>
-                <a:lnTo>
-                  <a:pt x="2801" y="13956"/>
-                </a:lnTo>
-                <a:lnTo>
-                  <a:pt x="3678" y="9913"/>
-                </a:lnTo>
-                <a:lnTo>
-                  <a:pt x="3678" y="9913"/>
-                </a:lnTo>
-                <a:lnTo>
-                  <a:pt x="3702" y="9743"/>
-                </a:lnTo>
-                <a:lnTo>
-                  <a:pt x="3702" y="9572"/>
-                </a:lnTo>
-                <a:lnTo>
-                  <a:pt x="3678" y="9402"/>
-                </a:lnTo>
-                <a:lnTo>
-                  <a:pt x="3629" y="9231"/>
-                </a:lnTo>
-                <a:lnTo>
-                  <a:pt x="3556" y="9061"/>
-                </a:lnTo>
-                <a:lnTo>
-                  <a:pt x="3483" y="8890"/>
-                </a:lnTo>
-                <a:lnTo>
-                  <a:pt x="3386" y="8744"/>
-                </a:lnTo>
-                <a:lnTo>
-                  <a:pt x="3264" y="8622"/>
-                </a:lnTo>
-                <a:lnTo>
-                  <a:pt x="195" y="5895"/>
-                </a:lnTo>
-                <a:lnTo>
-                  <a:pt x="195" y="5895"/>
-                </a:lnTo>
-                <a:lnTo>
-                  <a:pt x="73" y="5773"/>
-                </a:lnTo>
-                <a:lnTo>
-                  <a:pt x="25" y="5675"/>
-                </a:lnTo>
-                <a:lnTo>
-                  <a:pt x="0" y="5578"/>
-                </a:lnTo>
-                <a:lnTo>
-                  <a:pt x="0" y="5505"/>
-                </a:lnTo>
-                <a:lnTo>
-                  <a:pt x="49" y="5407"/>
-                </a:lnTo>
-                <a:lnTo>
-                  <a:pt x="122" y="5359"/>
-                </a:lnTo>
-                <a:lnTo>
-                  <a:pt x="244" y="5310"/>
-                </a:lnTo>
-                <a:lnTo>
-                  <a:pt x="390" y="5286"/>
-                </a:lnTo>
-                <a:lnTo>
-                  <a:pt x="4482" y="4872"/>
-                </a:lnTo>
-                <a:lnTo>
-                  <a:pt x="4482" y="4872"/>
-                </a:lnTo>
-                <a:lnTo>
-                  <a:pt x="4652" y="4847"/>
-                </a:lnTo>
-                <a:lnTo>
-                  <a:pt x="4798" y="4774"/>
-                </a:lnTo>
-                <a:lnTo>
-                  <a:pt x="4969" y="4701"/>
-                </a:lnTo>
-                <a:lnTo>
-                  <a:pt x="5115" y="4604"/>
-                </a:lnTo>
-                <a:lnTo>
-                  <a:pt x="5261" y="4482"/>
-                </a:lnTo>
-                <a:lnTo>
-                  <a:pt x="5383" y="4360"/>
-                </a:lnTo>
-                <a:lnTo>
-                  <a:pt x="5505" y="4214"/>
-                </a:lnTo>
-                <a:lnTo>
-                  <a:pt x="5578" y="4092"/>
-                </a:lnTo>
-                <a:lnTo>
-                  <a:pt x="7234" y="293"/>
-                </a:lnTo>
-                <a:close/>
-              </a:path>
-            </a:pathLst>
-          </a:custGeom>
-          <a:noFill/>
-          <a:ln w="19050" cap="rnd" cmpd="sng">
-            <a:solidFill>
-              <a:srgbClr val="FF9800"/>
-            </a:solidFill>
-            <a:prstDash val="solid"/>
-            <a:round/>
-            <a:headEnd type="none" w="med" len="med"/>
-            <a:tailEnd type="none" w="med" len="med"/>
-          </a:ln>
-        </p:spPr>
-        <p:txBody>
-          <a:bodyPr wrap="square" lIns="91425" tIns="91425" rIns="91425" bIns="91425" anchor="ctr" anchorCtr="0">
-            <a:noAutofit/>
-          </a:bodyPr>
-          <a:lstStyle/>
-          <a:p>
-            <a:pPr lvl="0">
-              <a:spcBef>
-                <a:spcPts val="0"/>
-              </a:spcBef>
-              <a:buNone/>
-            </a:pPr>
-            <a:endParaRPr/>
-          </a:p>
-        </p:txBody>
-      </p:sp>
-      <p:sp>
-        <p:nvSpPr>
-          <p:cNvPr id="259" name="Shape 259"/>
-          <p:cNvSpPr/>
-          <p:nvPr/>
-        </p:nvSpPr>
-        <p:spPr>
-          <a:xfrm rot="2697322">
-            <a:off x="7939080" y="1959478"/>
-            <a:ext cx="376961" cy="359936"/>
-          </a:xfrm>
-          <a:custGeom>
-            <a:avLst/>
-            <a:gdLst/>
-            <a:ahLst/>
-            <a:cxnLst/>
-            <a:rect l="0" t="0" r="0" b="0"/>
-            <a:pathLst>
-              <a:path w="15101" h="14419" fill="none" extrusionOk="0">
-                <a:moveTo>
-                  <a:pt x="7234" y="293"/>
-                </a:moveTo>
-                <a:lnTo>
-                  <a:pt x="7234" y="293"/>
-                </a:lnTo>
-                <a:lnTo>
-                  <a:pt x="7307" y="171"/>
-                </a:lnTo>
-                <a:lnTo>
-                  <a:pt x="7380" y="74"/>
-                </a:lnTo>
-                <a:lnTo>
-                  <a:pt x="7477" y="25"/>
-                </a:lnTo>
-                <a:lnTo>
-                  <a:pt x="7550" y="1"/>
-                </a:lnTo>
-                <a:lnTo>
-                  <a:pt x="7623" y="25"/>
-                </a:lnTo>
-                <a:lnTo>
-                  <a:pt x="7721" y="74"/>
-                </a:lnTo>
-                <a:lnTo>
-                  <a:pt x="7794" y="171"/>
-                </a:lnTo>
-                <a:lnTo>
-                  <a:pt x="7867" y="293"/>
-                </a:lnTo>
-                <a:lnTo>
-                  <a:pt x="9523" y="4092"/>
-                </a:lnTo>
-                <a:lnTo>
-                  <a:pt x="9523" y="4092"/>
-                </a:lnTo>
-                <a:lnTo>
-                  <a:pt x="9596" y="4214"/>
-                </a:lnTo>
-                <a:lnTo>
-                  <a:pt x="9718" y="4360"/>
-                </a:lnTo>
-                <a:lnTo>
-                  <a:pt x="9840" y="4482"/>
-                </a:lnTo>
-                <a:lnTo>
-                  <a:pt x="9986" y="4604"/>
-                </a:lnTo>
-                <a:lnTo>
-                  <a:pt x="10132" y="4701"/>
-                </a:lnTo>
-                <a:lnTo>
-                  <a:pt x="10302" y="4774"/>
-                </a:lnTo>
-                <a:lnTo>
-                  <a:pt x="10449" y="4847"/>
-                </a:lnTo>
-                <a:lnTo>
-                  <a:pt x="10619" y="4872"/>
-                </a:lnTo>
-                <a:lnTo>
-                  <a:pt x="14711" y="5286"/>
-                </a:lnTo>
-                <a:lnTo>
-                  <a:pt x="14711" y="5286"/>
-                </a:lnTo>
-                <a:lnTo>
-                  <a:pt x="14857" y="5310"/>
-                </a:lnTo>
-                <a:lnTo>
-                  <a:pt x="14979" y="5359"/>
-                </a:lnTo>
-                <a:lnTo>
-                  <a:pt x="15052" y="5407"/>
-                </a:lnTo>
-                <a:lnTo>
-                  <a:pt x="15100" y="5505"/>
-                </a:lnTo>
-                <a:lnTo>
-                  <a:pt x="15100" y="5578"/>
-                </a:lnTo>
-                <a:lnTo>
-                  <a:pt x="15076" y="5675"/>
-                </a:lnTo>
-                <a:lnTo>
-                  <a:pt x="15027" y="5773"/>
-                </a:lnTo>
-                <a:lnTo>
-                  <a:pt x="14906" y="5895"/>
-                </a:lnTo>
-                <a:lnTo>
-                  <a:pt x="11837" y="8622"/>
-                </a:lnTo>
-                <a:lnTo>
-                  <a:pt x="11837" y="8622"/>
-                </a:lnTo>
-                <a:lnTo>
-                  <a:pt x="11715" y="8744"/>
-                </a:lnTo>
-                <a:lnTo>
-                  <a:pt x="11618" y="8890"/>
-                </a:lnTo>
-                <a:lnTo>
-                  <a:pt x="11545" y="9061"/>
-                </a:lnTo>
-                <a:lnTo>
-                  <a:pt x="11472" y="9231"/>
-                </a:lnTo>
-                <a:lnTo>
-                  <a:pt x="11423" y="9402"/>
-                </a:lnTo>
-                <a:lnTo>
-                  <a:pt x="11398" y="9572"/>
-                </a:lnTo>
-                <a:lnTo>
-                  <a:pt x="11398" y="9743"/>
-                </a:lnTo>
-                <a:lnTo>
-                  <a:pt x="11423" y="9913"/>
-                </a:lnTo>
-                <a:lnTo>
-                  <a:pt x="12300" y="13956"/>
-                </a:lnTo>
-                <a:lnTo>
-                  <a:pt x="12300" y="13956"/>
-                </a:lnTo>
-                <a:lnTo>
-                  <a:pt x="12324" y="14102"/>
-                </a:lnTo>
-                <a:lnTo>
-                  <a:pt x="12300" y="14200"/>
-                </a:lnTo>
-                <a:lnTo>
-                  <a:pt x="12275" y="14297"/>
-                </a:lnTo>
-                <a:lnTo>
-                  <a:pt x="12227" y="14370"/>
-                </a:lnTo>
-                <a:lnTo>
-                  <a:pt x="12129" y="14394"/>
-                </a:lnTo>
-                <a:lnTo>
-                  <a:pt x="12032" y="14419"/>
-                </a:lnTo>
-                <a:lnTo>
-                  <a:pt x="11910" y="14370"/>
-                </a:lnTo>
-                <a:lnTo>
-                  <a:pt x="11788" y="14321"/>
-                </a:lnTo>
-                <a:lnTo>
-                  <a:pt x="8232" y="12227"/>
-                </a:lnTo>
-                <a:lnTo>
-                  <a:pt x="8232" y="12227"/>
-                </a:lnTo>
-                <a:lnTo>
-                  <a:pt x="8086" y="12154"/>
-                </a:lnTo>
-                <a:lnTo>
-                  <a:pt x="7916" y="12105"/>
-                </a:lnTo>
-                <a:lnTo>
-                  <a:pt x="7721" y="12081"/>
-                </a:lnTo>
-                <a:lnTo>
-                  <a:pt x="7550" y="12081"/>
-                </a:lnTo>
-                <a:lnTo>
-                  <a:pt x="7380" y="12081"/>
-                </a:lnTo>
-                <a:lnTo>
-                  <a:pt x="7185" y="12105"/>
-                </a:lnTo>
-                <a:lnTo>
-                  <a:pt x="7015" y="12154"/>
-                </a:lnTo>
-                <a:lnTo>
-                  <a:pt x="6868" y="12227"/>
-                </a:lnTo>
-                <a:lnTo>
-                  <a:pt x="3313" y="14321"/>
-                </a:lnTo>
-                <a:lnTo>
-                  <a:pt x="3313" y="14321"/>
-                </a:lnTo>
-                <a:lnTo>
-                  <a:pt x="3191" y="14370"/>
-                </a:lnTo>
-                <a:lnTo>
-                  <a:pt x="3069" y="14419"/>
-                </a:lnTo>
-                <a:lnTo>
-                  <a:pt x="2972" y="14394"/>
-                </a:lnTo>
-                <a:lnTo>
-                  <a:pt x="2874" y="14370"/>
-                </a:lnTo>
-                <a:lnTo>
-                  <a:pt x="2826" y="14297"/>
-                </a:lnTo>
-                <a:lnTo>
-                  <a:pt x="2801" y="14200"/>
-                </a:lnTo>
-                <a:lnTo>
-                  <a:pt x="2777" y="14102"/>
-                </a:lnTo>
-                <a:lnTo>
-                  <a:pt x="2801" y="13956"/>
-                </a:lnTo>
-                <a:lnTo>
-                  <a:pt x="3678" y="9913"/>
-                </a:lnTo>
-                <a:lnTo>
-                  <a:pt x="3678" y="9913"/>
-                </a:lnTo>
-                <a:lnTo>
-                  <a:pt x="3702" y="9743"/>
-                </a:lnTo>
-                <a:lnTo>
-                  <a:pt x="3702" y="9572"/>
-                </a:lnTo>
-                <a:lnTo>
-                  <a:pt x="3678" y="9402"/>
-                </a:lnTo>
-                <a:lnTo>
-                  <a:pt x="3629" y="9231"/>
-                </a:lnTo>
-                <a:lnTo>
-                  <a:pt x="3556" y="9061"/>
-                </a:lnTo>
-                <a:lnTo>
-                  <a:pt x="3483" y="8890"/>
-                </a:lnTo>
-                <a:lnTo>
-                  <a:pt x="3386" y="8744"/>
-                </a:lnTo>
-                <a:lnTo>
-                  <a:pt x="3264" y="8622"/>
-                </a:lnTo>
-                <a:lnTo>
-                  <a:pt x="195" y="5895"/>
-                </a:lnTo>
-                <a:lnTo>
-                  <a:pt x="195" y="5895"/>
-                </a:lnTo>
-                <a:lnTo>
-                  <a:pt x="73" y="5773"/>
-                </a:lnTo>
-                <a:lnTo>
-                  <a:pt x="25" y="5675"/>
-                </a:lnTo>
-                <a:lnTo>
-                  <a:pt x="0" y="5578"/>
-                </a:lnTo>
-                <a:lnTo>
-                  <a:pt x="0" y="5505"/>
-                </a:lnTo>
-                <a:lnTo>
-                  <a:pt x="49" y="5407"/>
-                </a:lnTo>
-                <a:lnTo>
-                  <a:pt x="122" y="5359"/>
-                </a:lnTo>
-                <a:lnTo>
-                  <a:pt x="244" y="5310"/>
-                </a:lnTo>
-                <a:lnTo>
-                  <a:pt x="390" y="5286"/>
-                </a:lnTo>
-                <a:lnTo>
-                  <a:pt x="4482" y="4872"/>
-                </a:lnTo>
-                <a:lnTo>
-                  <a:pt x="4482" y="4872"/>
-                </a:lnTo>
-                <a:lnTo>
-                  <a:pt x="4652" y="4847"/>
-                </a:lnTo>
-                <a:lnTo>
-                  <a:pt x="4798" y="4774"/>
-                </a:lnTo>
-                <a:lnTo>
-                  <a:pt x="4969" y="4701"/>
-                </a:lnTo>
-                <a:lnTo>
-                  <a:pt x="5115" y="4604"/>
-                </a:lnTo>
-                <a:lnTo>
-                  <a:pt x="5261" y="4482"/>
-                </a:lnTo>
-                <a:lnTo>
-                  <a:pt x="5383" y="4360"/>
-                </a:lnTo>
-                <a:lnTo>
-                  <a:pt x="5505" y="4214"/>
-                </a:lnTo>
-                <a:lnTo>
-                  <a:pt x="5578" y="4092"/>
-                </a:lnTo>
-                <a:lnTo>
-                  <a:pt x="7234" y="293"/>
-                </a:lnTo>
-                <a:close/>
-              </a:path>
-            </a:pathLst>
-          </a:custGeom>
-          <a:noFill/>
-          <a:ln w="19050" cap="rnd" cmpd="sng">
-            <a:solidFill>
-              <a:srgbClr val="FF9800"/>
-            </a:solidFill>
-            <a:prstDash val="solid"/>
-            <a:round/>
-            <a:headEnd type="none" w="med" len="med"/>
-            <a:tailEnd type="none" w="med" len="med"/>
-          </a:ln>
-        </p:spPr>
-        <p:txBody>
-          <a:bodyPr wrap="square" lIns="91425" tIns="91425" rIns="91425" bIns="91425" anchor="ctr" anchorCtr="0">
-            <a:noAutofit/>
-          </a:bodyPr>
-          <a:lstStyle/>
-          <a:p>
-            <a:pPr lvl="0">
-              <a:spcBef>
-                <a:spcPts val="0"/>
-              </a:spcBef>
-              <a:buNone/>
-            </a:pPr>
-            <a:endParaRPr/>
-          </a:p>
-        </p:txBody>
-      </p:sp>
-      <p:sp>
-        <p:nvSpPr>
-          <p:cNvPr id="260" name="Shape 260"/>
-          <p:cNvSpPr/>
-          <p:nvPr/>
-        </p:nvSpPr>
-        <p:spPr>
-          <a:xfrm>
-            <a:off x="8237292" y="1754006"/>
-            <a:ext cx="150972" cy="144226"/>
-          </a:xfrm>
-          <a:custGeom>
-            <a:avLst/>
-            <a:gdLst/>
-            <a:ahLst/>
-            <a:cxnLst/>
-            <a:rect l="0" t="0" r="0" b="0"/>
-            <a:pathLst>
-              <a:path w="15101" h="14419" fill="none" extrusionOk="0">
-                <a:moveTo>
-                  <a:pt x="7234" y="293"/>
-                </a:moveTo>
-                <a:lnTo>
-                  <a:pt x="7234" y="293"/>
-                </a:lnTo>
-                <a:lnTo>
-                  <a:pt x="7307" y="171"/>
-                </a:lnTo>
-                <a:lnTo>
-                  <a:pt x="7380" y="74"/>
-                </a:lnTo>
-                <a:lnTo>
-                  <a:pt x="7477" y="25"/>
-                </a:lnTo>
-                <a:lnTo>
-                  <a:pt x="7550" y="1"/>
-                </a:lnTo>
-                <a:lnTo>
-                  <a:pt x="7623" y="25"/>
-                </a:lnTo>
-                <a:lnTo>
-                  <a:pt x="7721" y="74"/>
-                </a:lnTo>
-                <a:lnTo>
-                  <a:pt x="7794" y="171"/>
-                </a:lnTo>
-                <a:lnTo>
-                  <a:pt x="7867" y="293"/>
-                </a:lnTo>
-                <a:lnTo>
-                  <a:pt x="9523" y="4092"/>
-                </a:lnTo>
-                <a:lnTo>
-                  <a:pt x="9523" y="4092"/>
-                </a:lnTo>
-                <a:lnTo>
-                  <a:pt x="9596" y="4214"/>
-                </a:lnTo>
-                <a:lnTo>
-                  <a:pt x="9718" y="4360"/>
-                </a:lnTo>
-                <a:lnTo>
-                  <a:pt x="9840" y="4482"/>
-                </a:lnTo>
-                <a:lnTo>
-                  <a:pt x="9986" y="4604"/>
-                </a:lnTo>
-                <a:lnTo>
-                  <a:pt x="10132" y="4701"/>
-                </a:lnTo>
-                <a:lnTo>
-                  <a:pt x="10302" y="4774"/>
-                </a:lnTo>
-                <a:lnTo>
-                  <a:pt x="10449" y="4847"/>
-                </a:lnTo>
-                <a:lnTo>
-                  <a:pt x="10619" y="4872"/>
-                </a:lnTo>
-                <a:lnTo>
-                  <a:pt x="14711" y="5286"/>
-                </a:lnTo>
-                <a:lnTo>
-                  <a:pt x="14711" y="5286"/>
-                </a:lnTo>
-                <a:lnTo>
-                  <a:pt x="14857" y="5310"/>
-                </a:lnTo>
-                <a:lnTo>
-                  <a:pt x="14979" y="5359"/>
-                </a:lnTo>
-                <a:lnTo>
-                  <a:pt x="15052" y="5407"/>
-                </a:lnTo>
-                <a:lnTo>
-                  <a:pt x="15100" y="5505"/>
-                </a:lnTo>
-                <a:lnTo>
-                  <a:pt x="15100" y="5578"/>
-                </a:lnTo>
-                <a:lnTo>
-                  <a:pt x="15076" y="5675"/>
-                </a:lnTo>
-                <a:lnTo>
-                  <a:pt x="15027" y="5773"/>
-                </a:lnTo>
-                <a:lnTo>
-                  <a:pt x="14906" y="5895"/>
-                </a:lnTo>
-                <a:lnTo>
-                  <a:pt x="11837" y="8622"/>
-                </a:lnTo>
-                <a:lnTo>
-                  <a:pt x="11837" y="8622"/>
-                </a:lnTo>
-                <a:lnTo>
-                  <a:pt x="11715" y="8744"/>
-                </a:lnTo>
-                <a:lnTo>
-                  <a:pt x="11618" y="8890"/>
-                </a:lnTo>
-                <a:lnTo>
-                  <a:pt x="11545" y="9061"/>
-                </a:lnTo>
-                <a:lnTo>
-                  <a:pt x="11472" y="9231"/>
-                </a:lnTo>
-                <a:lnTo>
-                  <a:pt x="11423" y="9402"/>
-                </a:lnTo>
-                <a:lnTo>
-                  <a:pt x="11398" y="9572"/>
-                </a:lnTo>
-                <a:lnTo>
-                  <a:pt x="11398" y="9743"/>
-                </a:lnTo>
-                <a:lnTo>
-                  <a:pt x="11423" y="9913"/>
-                </a:lnTo>
-                <a:lnTo>
-                  <a:pt x="12300" y="13956"/>
-                </a:lnTo>
-                <a:lnTo>
-                  <a:pt x="12300" y="13956"/>
-                </a:lnTo>
-                <a:lnTo>
-                  <a:pt x="12324" y="14102"/>
-                </a:lnTo>
-                <a:lnTo>
-                  <a:pt x="12300" y="14200"/>
-                </a:lnTo>
-                <a:lnTo>
-                  <a:pt x="12275" y="14297"/>
-                </a:lnTo>
-                <a:lnTo>
-                  <a:pt x="12227" y="14370"/>
-                </a:lnTo>
-                <a:lnTo>
-                  <a:pt x="12129" y="14394"/>
-                </a:lnTo>
-                <a:lnTo>
-                  <a:pt x="12032" y="14419"/>
-                </a:lnTo>
-                <a:lnTo>
-                  <a:pt x="11910" y="14370"/>
-                </a:lnTo>
-                <a:lnTo>
-                  <a:pt x="11788" y="14321"/>
-                </a:lnTo>
-                <a:lnTo>
-                  <a:pt x="8232" y="12227"/>
-                </a:lnTo>
-                <a:lnTo>
-                  <a:pt x="8232" y="12227"/>
-                </a:lnTo>
-                <a:lnTo>
-                  <a:pt x="8086" y="12154"/>
-                </a:lnTo>
-                <a:lnTo>
-                  <a:pt x="7916" y="12105"/>
-                </a:lnTo>
-                <a:lnTo>
-                  <a:pt x="7721" y="12081"/>
-                </a:lnTo>
-                <a:lnTo>
-                  <a:pt x="7550" y="12081"/>
-                </a:lnTo>
-                <a:lnTo>
-                  <a:pt x="7380" y="12081"/>
-                </a:lnTo>
-                <a:lnTo>
-                  <a:pt x="7185" y="12105"/>
-                </a:lnTo>
-                <a:lnTo>
-                  <a:pt x="7015" y="12154"/>
-                </a:lnTo>
-                <a:lnTo>
-                  <a:pt x="6868" y="12227"/>
-                </a:lnTo>
-                <a:lnTo>
-                  <a:pt x="3313" y="14321"/>
-                </a:lnTo>
-                <a:lnTo>
-                  <a:pt x="3313" y="14321"/>
-                </a:lnTo>
-                <a:lnTo>
-                  <a:pt x="3191" y="14370"/>
-                </a:lnTo>
-                <a:lnTo>
-                  <a:pt x="3069" y="14419"/>
-                </a:lnTo>
-                <a:lnTo>
-                  <a:pt x="2972" y="14394"/>
-                </a:lnTo>
-                <a:lnTo>
-                  <a:pt x="2874" y="14370"/>
-                </a:lnTo>
-                <a:lnTo>
-                  <a:pt x="2826" y="14297"/>
-                </a:lnTo>
-                <a:lnTo>
-                  <a:pt x="2801" y="14200"/>
-                </a:lnTo>
-                <a:lnTo>
-                  <a:pt x="2777" y="14102"/>
-                </a:lnTo>
-                <a:lnTo>
-                  <a:pt x="2801" y="13956"/>
-                </a:lnTo>
-                <a:lnTo>
-                  <a:pt x="3678" y="9913"/>
-                </a:lnTo>
-                <a:lnTo>
-                  <a:pt x="3678" y="9913"/>
-                </a:lnTo>
-                <a:lnTo>
-                  <a:pt x="3702" y="9743"/>
-                </a:lnTo>
-                <a:lnTo>
-                  <a:pt x="3702" y="9572"/>
-                </a:lnTo>
-                <a:lnTo>
-                  <a:pt x="3678" y="9402"/>
-                </a:lnTo>
-                <a:lnTo>
-                  <a:pt x="3629" y="9231"/>
-                </a:lnTo>
-                <a:lnTo>
-                  <a:pt x="3556" y="9061"/>
-                </a:lnTo>
-                <a:lnTo>
-                  <a:pt x="3483" y="8890"/>
-                </a:lnTo>
-                <a:lnTo>
-                  <a:pt x="3386" y="8744"/>
-                </a:lnTo>
-                <a:lnTo>
-                  <a:pt x="3264" y="8622"/>
-                </a:lnTo>
-                <a:lnTo>
-                  <a:pt x="195" y="5895"/>
-                </a:lnTo>
-                <a:lnTo>
-                  <a:pt x="195" y="5895"/>
-                </a:lnTo>
-                <a:lnTo>
-                  <a:pt x="73" y="5773"/>
-                </a:lnTo>
-                <a:lnTo>
-                  <a:pt x="25" y="5675"/>
-                </a:lnTo>
-                <a:lnTo>
-                  <a:pt x="0" y="5578"/>
-                </a:lnTo>
-                <a:lnTo>
-                  <a:pt x="0" y="5505"/>
-                </a:lnTo>
-                <a:lnTo>
-                  <a:pt x="49" y="5407"/>
-                </a:lnTo>
-                <a:lnTo>
-                  <a:pt x="122" y="5359"/>
-                </a:lnTo>
-                <a:lnTo>
-                  <a:pt x="244" y="5310"/>
-                </a:lnTo>
-                <a:lnTo>
-                  <a:pt x="390" y="5286"/>
-                </a:lnTo>
-                <a:lnTo>
-                  <a:pt x="4482" y="4872"/>
-                </a:lnTo>
-                <a:lnTo>
-                  <a:pt x="4482" y="4872"/>
-                </a:lnTo>
-                <a:lnTo>
-                  <a:pt x="4652" y="4847"/>
-                </a:lnTo>
-                <a:lnTo>
-                  <a:pt x="4798" y="4774"/>
-                </a:lnTo>
-                <a:lnTo>
-                  <a:pt x="4969" y="4701"/>
-                </a:lnTo>
-                <a:lnTo>
-                  <a:pt x="5115" y="4604"/>
-                </a:lnTo>
-                <a:lnTo>
-                  <a:pt x="5261" y="4482"/>
-                </a:lnTo>
-                <a:lnTo>
-                  <a:pt x="5383" y="4360"/>
-                </a:lnTo>
-                <a:lnTo>
-                  <a:pt x="5505" y="4214"/>
-                </a:lnTo>
-                <a:lnTo>
-                  <a:pt x="5578" y="4092"/>
-                </a:lnTo>
-                <a:lnTo>
-                  <a:pt x="7234" y="293"/>
-                </a:lnTo>
-                <a:close/>
-              </a:path>
-            </a:pathLst>
-          </a:custGeom>
-          <a:noFill/>
-          <a:ln w="19050" cap="rnd" cmpd="sng">
-            <a:solidFill>
-              <a:srgbClr val="FF9800"/>
-            </a:solidFill>
-            <a:prstDash val="solid"/>
-            <a:round/>
-            <a:headEnd type="none" w="med" len="med"/>
-            <a:tailEnd type="none" w="med" len="med"/>
-          </a:ln>
-        </p:spPr>
-        <p:txBody>
-          <a:bodyPr wrap="square" lIns="91425" tIns="91425" rIns="91425" bIns="91425" anchor="ctr" anchorCtr="0">
-            <a:noAutofit/>
-          </a:bodyPr>
-          <a:lstStyle/>
-          <a:p>
-            <a:pPr lvl="0">
-              <a:spcBef>
-                <a:spcPts val="0"/>
-              </a:spcBef>
-              <a:buNone/>
-            </a:pPr>
-            <a:endParaRPr/>
-          </a:p>
-        </p:txBody>
-      </p:sp>
-      <p:sp>
-        <p:nvSpPr>
-          <p:cNvPr id="261" name="Shape 261"/>
-          <p:cNvSpPr/>
-          <p:nvPr/>
-        </p:nvSpPr>
-        <p:spPr>
-          <a:xfrm rot="1280149">
-            <a:off x="6130690" y="1460796"/>
-            <a:ext cx="150975" cy="144204"/>
-          </a:xfrm>
-          <a:custGeom>
-            <a:avLst/>
-            <a:gdLst/>
-            <a:ahLst/>
-            <a:cxnLst/>
-            <a:rect l="0" t="0" r="0" b="0"/>
-            <a:pathLst>
-              <a:path w="15101" h="14419" fill="none" extrusionOk="0">
-                <a:moveTo>
-                  <a:pt x="7234" y="293"/>
-                </a:moveTo>
-                <a:lnTo>
-                  <a:pt x="7234" y="293"/>
-                </a:lnTo>
-                <a:lnTo>
-                  <a:pt x="7307" y="171"/>
-                </a:lnTo>
-                <a:lnTo>
-                  <a:pt x="7380" y="74"/>
-                </a:lnTo>
-                <a:lnTo>
-                  <a:pt x="7477" y="25"/>
-                </a:lnTo>
-                <a:lnTo>
-                  <a:pt x="7550" y="1"/>
-                </a:lnTo>
-                <a:lnTo>
-                  <a:pt x="7623" y="25"/>
-                </a:lnTo>
-                <a:lnTo>
-                  <a:pt x="7721" y="74"/>
-                </a:lnTo>
-                <a:lnTo>
-                  <a:pt x="7794" y="171"/>
-                </a:lnTo>
-                <a:lnTo>
-                  <a:pt x="7867" y="293"/>
-                </a:lnTo>
-                <a:lnTo>
-                  <a:pt x="9523" y="4092"/>
-                </a:lnTo>
-                <a:lnTo>
-                  <a:pt x="9523" y="4092"/>
-                </a:lnTo>
-                <a:lnTo>
-                  <a:pt x="9596" y="4214"/>
-                </a:lnTo>
-                <a:lnTo>
-                  <a:pt x="9718" y="4360"/>
-                </a:lnTo>
-                <a:lnTo>
-                  <a:pt x="9840" y="4482"/>
-                </a:lnTo>
-                <a:lnTo>
-                  <a:pt x="9986" y="4604"/>
-                </a:lnTo>
-                <a:lnTo>
-                  <a:pt x="10132" y="4701"/>
-                </a:lnTo>
-                <a:lnTo>
-                  <a:pt x="10302" y="4774"/>
-                </a:lnTo>
-                <a:lnTo>
-                  <a:pt x="10449" y="4847"/>
-                </a:lnTo>
-                <a:lnTo>
-                  <a:pt x="10619" y="4872"/>
-                </a:lnTo>
-                <a:lnTo>
-                  <a:pt x="14711" y="5286"/>
-                </a:lnTo>
-                <a:lnTo>
-                  <a:pt x="14711" y="5286"/>
-                </a:lnTo>
-                <a:lnTo>
-                  <a:pt x="14857" y="5310"/>
-                </a:lnTo>
-                <a:lnTo>
-                  <a:pt x="14979" y="5359"/>
-                </a:lnTo>
-                <a:lnTo>
-                  <a:pt x="15052" y="5407"/>
-                </a:lnTo>
-                <a:lnTo>
-                  <a:pt x="15100" y="5505"/>
-                </a:lnTo>
-                <a:lnTo>
-                  <a:pt x="15100" y="5578"/>
-                </a:lnTo>
-                <a:lnTo>
-                  <a:pt x="15076" y="5675"/>
-                </a:lnTo>
-                <a:lnTo>
-                  <a:pt x="15027" y="5773"/>
-                </a:lnTo>
-                <a:lnTo>
-                  <a:pt x="14906" y="5895"/>
-                </a:lnTo>
-                <a:lnTo>
-                  <a:pt x="11837" y="8622"/>
-                </a:lnTo>
-                <a:lnTo>
-                  <a:pt x="11837" y="8622"/>
-                </a:lnTo>
-                <a:lnTo>
-                  <a:pt x="11715" y="8744"/>
-                </a:lnTo>
-                <a:lnTo>
-                  <a:pt x="11618" y="8890"/>
-                </a:lnTo>
-                <a:lnTo>
-                  <a:pt x="11545" y="9061"/>
-                </a:lnTo>
-                <a:lnTo>
-                  <a:pt x="11472" y="9231"/>
-                </a:lnTo>
-                <a:lnTo>
-                  <a:pt x="11423" y="9402"/>
-                </a:lnTo>
-                <a:lnTo>
-                  <a:pt x="11398" y="9572"/>
-                </a:lnTo>
-                <a:lnTo>
-                  <a:pt x="11398" y="9743"/>
-                </a:lnTo>
-                <a:lnTo>
-                  <a:pt x="11423" y="9913"/>
-                </a:lnTo>
-                <a:lnTo>
-                  <a:pt x="12300" y="13956"/>
-                </a:lnTo>
-                <a:lnTo>
-                  <a:pt x="12300" y="13956"/>
-                </a:lnTo>
-                <a:lnTo>
-                  <a:pt x="12324" y="14102"/>
-                </a:lnTo>
-                <a:lnTo>
-                  <a:pt x="12300" y="14200"/>
-                </a:lnTo>
-                <a:lnTo>
-                  <a:pt x="12275" y="14297"/>
-                </a:lnTo>
-                <a:lnTo>
-                  <a:pt x="12227" y="14370"/>
-                </a:lnTo>
-                <a:lnTo>
-                  <a:pt x="12129" y="14394"/>
-                </a:lnTo>
-                <a:lnTo>
-                  <a:pt x="12032" y="14419"/>
-                </a:lnTo>
-                <a:lnTo>
-                  <a:pt x="11910" y="14370"/>
-                </a:lnTo>
-                <a:lnTo>
-                  <a:pt x="11788" y="14321"/>
-                </a:lnTo>
-                <a:lnTo>
-                  <a:pt x="8232" y="12227"/>
-                </a:lnTo>
-                <a:lnTo>
-                  <a:pt x="8232" y="12227"/>
-                </a:lnTo>
-                <a:lnTo>
-                  <a:pt x="8086" y="12154"/>
-                </a:lnTo>
-                <a:lnTo>
-                  <a:pt x="7916" y="12105"/>
-                </a:lnTo>
-                <a:lnTo>
-                  <a:pt x="7721" y="12081"/>
-                </a:lnTo>
-                <a:lnTo>
-                  <a:pt x="7550" y="12081"/>
-                </a:lnTo>
-                <a:lnTo>
-                  <a:pt x="7380" y="12081"/>
-                </a:lnTo>
-                <a:lnTo>
-                  <a:pt x="7185" y="12105"/>
-                </a:lnTo>
-                <a:lnTo>
-                  <a:pt x="7015" y="12154"/>
-                </a:lnTo>
-                <a:lnTo>
-                  <a:pt x="6868" y="12227"/>
-                </a:lnTo>
-                <a:lnTo>
-                  <a:pt x="3313" y="14321"/>
-                </a:lnTo>
-                <a:lnTo>
-                  <a:pt x="3313" y="14321"/>
-                </a:lnTo>
-                <a:lnTo>
-                  <a:pt x="3191" y="14370"/>
-                </a:lnTo>
-                <a:lnTo>
-                  <a:pt x="3069" y="14419"/>
-                </a:lnTo>
-                <a:lnTo>
-                  <a:pt x="2972" y="14394"/>
-                </a:lnTo>
-                <a:lnTo>
-                  <a:pt x="2874" y="14370"/>
-                </a:lnTo>
-                <a:lnTo>
-                  <a:pt x="2826" y="14297"/>
-                </a:lnTo>
-                <a:lnTo>
-                  <a:pt x="2801" y="14200"/>
-                </a:lnTo>
-                <a:lnTo>
-                  <a:pt x="2777" y="14102"/>
-                </a:lnTo>
-                <a:lnTo>
-                  <a:pt x="2801" y="13956"/>
-                </a:lnTo>
-                <a:lnTo>
-                  <a:pt x="3678" y="9913"/>
-                </a:lnTo>
-                <a:lnTo>
-                  <a:pt x="3678" y="9913"/>
-                </a:lnTo>
-                <a:lnTo>
-                  <a:pt x="3702" y="9743"/>
-                </a:lnTo>
-                <a:lnTo>
-                  <a:pt x="3702" y="9572"/>
-                </a:lnTo>
-                <a:lnTo>
-                  <a:pt x="3678" y="9402"/>
-                </a:lnTo>
-                <a:lnTo>
-                  <a:pt x="3629" y="9231"/>
-                </a:lnTo>
-                <a:lnTo>
-                  <a:pt x="3556" y="9061"/>
-                </a:lnTo>
-                <a:lnTo>
-                  <a:pt x="3483" y="8890"/>
-                </a:lnTo>
-                <a:lnTo>
-                  <a:pt x="3386" y="8744"/>
-                </a:lnTo>
-                <a:lnTo>
-                  <a:pt x="3264" y="8622"/>
-                </a:lnTo>
-                <a:lnTo>
-                  <a:pt x="195" y="5895"/>
-                </a:lnTo>
-                <a:lnTo>
-                  <a:pt x="195" y="5895"/>
-                </a:lnTo>
-                <a:lnTo>
-                  <a:pt x="73" y="5773"/>
-                </a:lnTo>
-                <a:lnTo>
-                  <a:pt x="25" y="5675"/>
-                </a:lnTo>
-                <a:lnTo>
-                  <a:pt x="0" y="5578"/>
-                </a:lnTo>
-                <a:lnTo>
-                  <a:pt x="0" y="5505"/>
-                </a:lnTo>
-                <a:lnTo>
-                  <a:pt x="49" y="5407"/>
-                </a:lnTo>
-                <a:lnTo>
-                  <a:pt x="122" y="5359"/>
-                </a:lnTo>
-                <a:lnTo>
-                  <a:pt x="244" y="5310"/>
-                </a:lnTo>
-                <a:lnTo>
-                  <a:pt x="390" y="5286"/>
-                </a:lnTo>
-                <a:lnTo>
-                  <a:pt x="4482" y="4872"/>
-                </a:lnTo>
-                <a:lnTo>
-                  <a:pt x="4482" y="4872"/>
-                </a:lnTo>
-                <a:lnTo>
-                  <a:pt x="4652" y="4847"/>
-                </a:lnTo>
-                <a:lnTo>
-                  <a:pt x="4798" y="4774"/>
-                </a:lnTo>
-                <a:lnTo>
-                  <a:pt x="4969" y="4701"/>
-                </a:lnTo>
-                <a:lnTo>
-                  <a:pt x="5115" y="4604"/>
-                </a:lnTo>
-                <a:lnTo>
-                  <a:pt x="5261" y="4482"/>
-                </a:lnTo>
-                <a:lnTo>
-                  <a:pt x="5383" y="4360"/>
-                </a:lnTo>
-                <a:lnTo>
-                  <a:pt x="5505" y="4214"/>
-                </a:lnTo>
-                <a:lnTo>
-                  <a:pt x="5578" y="4092"/>
-                </a:lnTo>
-                <a:lnTo>
-                  <a:pt x="7234" y="293"/>
-                </a:lnTo>
-                <a:close/>
-              </a:path>
-            </a:pathLst>
-          </a:custGeom>
-          <a:noFill/>
-          <a:ln w="19050" cap="rnd" cmpd="sng">
-            <a:solidFill>
-              <a:srgbClr val="FF9800"/>
-            </a:solidFill>
-            <a:prstDash val="solid"/>
-            <a:round/>
-            <a:headEnd type="none" w="med" len="med"/>
-            <a:tailEnd type="none" w="med" len="med"/>
-          </a:ln>
-        </p:spPr>
-        <p:txBody>
-          <a:bodyPr wrap="square" lIns="91425" tIns="91425" rIns="91425" bIns="91425" anchor="ctr" anchorCtr="0">
-            <a:noAutofit/>
-          </a:bodyPr>
-          <a:lstStyle/>
-          <a:p>
-            <a:pPr lvl="0">
-              <a:spcBef>
-                <a:spcPts val="0"/>
-              </a:spcBef>
-              <a:buNone/>
-            </a:pPr>
-            <a:endParaRPr/>
-          </a:p>
-        </p:txBody>
-      </p:sp>
-      <p:sp>
-        <p:nvSpPr>
-          <p:cNvPr id="262" name="Shape 262"/>
-          <p:cNvSpPr txBox="1">
-            <a:spLocks noGrp="1"/>
-          </p:cNvSpPr>
-          <p:nvPr>
-            <p:ph type="sldNum" idx="12"/>
-          </p:nvPr>
-        </p:nvSpPr>
-        <p:spPr>
-          <a:xfrm>
-            <a:off x="7618000" y="4636500"/>
-            <a:ext cx="1487400" cy="315600"/>
-          </a:xfrm>
-          <a:prstGeom prst="rect">
-            <a:avLst/>
-          </a:prstGeom>
-        </p:spPr>
-        <p:txBody>
-          <a:bodyPr wrap="square" lIns="91425" tIns="91425" rIns="91425" bIns="91425" anchor="ctr" anchorCtr="0">
-            <a:noAutofit/>
-          </a:bodyPr>
-          <a:lstStyle/>
-          <a:p>
-            <a:pPr lvl="0">
-              <a:spcBef>
-                <a:spcPts val="0"/>
-              </a:spcBef>
-              <a:buNone/>
-            </a:pPr>
-            <a:fld id="{00000000-1234-1234-1234-123412341234}" type="slidenum">
-              <a:rPr lang="en"/>
-              <a:t>6</a:t>
-            </a:fld>
-            <a:endParaRPr lang="en"/>
-          </a:p>
-        </p:txBody>
-      </p:sp>
-    </p:spTree>
-    <p:extLst>
-      <p:ext uri="{BB962C8B-B14F-4D97-AF65-F5344CB8AC3E}">
-        <p14:creationId xmlns:p14="http://schemas.microsoft.com/office/powerpoint/2010/main" val="2263739706"/>
-      </p:ext>
-    </p:extLst>
-  </p:cSld>
-  <p:clrMapOvr>
-    <a:masterClrMapping/>
-  </p:clrMapOvr>
-</p:sld>
-</file>
-
-<file path=ppt/slides/slide7.xml><?xml version="1.0" encoding="utf-8"?>
+<file path=ppt/slides/slide5.xml><?xml version="1.0" encoding="utf-8"?>
 <p:sld xmlns:a="http://schemas.openxmlformats.org/drawingml/2006/main" xmlns:r="http://schemas.openxmlformats.org/officeDocument/2006/relationships" xmlns:p="http://schemas.openxmlformats.org/presentationml/2006/main">
   <p:cSld>
     <p:spTree>
@@ -15300,7 +10503,7 @@
             </a:pPr>
             <a:fld id="{00000000-1234-1234-1234-123412341234}" type="slidenum">
               <a:rPr lang="en"/>
-              <a:t>7</a:t>
+              <a:t>5</a:t>
             </a:fld>
             <a:endParaRPr lang="en"/>
           </a:p>
@@ -15319,7 +10522,7 @@
 </p:sld>
 </file>
 
-<file path=ppt/slides/slide8.xml><?xml version="1.0" encoding="utf-8"?>
+<file path=ppt/slides/slide6.xml><?xml version="1.0" encoding="utf-8"?>
 <p:sld xmlns:a="http://schemas.openxmlformats.org/drawingml/2006/main" xmlns:r="http://schemas.openxmlformats.org/officeDocument/2006/relationships" xmlns:p="http://schemas.openxmlformats.org/presentationml/2006/main">
   <p:cSld>
     <p:spTree>
@@ -15547,7 +10750,7 @@
             </a:pPr>
             <a:fld id="{00000000-1234-1234-1234-123412341234}" type="slidenum">
               <a:rPr lang="en"/>
-              <a:t>8</a:t>
+              <a:t>6</a:t>
             </a:fld>
             <a:endParaRPr lang="en"/>
           </a:p>
